--- a/졸업작품 제안서/졸업작품 초안 세이브 (3).pptx
+++ b/졸업작품 제안서/졸업작품 초안 세이브 (3).pptx
@@ -2,7 +2,7 @@
 <file path=ppt/presentation.xml><?xml version="1.0" encoding="utf-8"?>
 <p:presentation xmlns:r="http://schemas.openxmlformats.org/officeDocument/2006/relationships" xmlns:c="http://schemas.openxmlformats.org/drawingml/2006/chart" xmlns:a="http://schemas.openxmlformats.org/drawingml/2006/main" xmlns:dgm="http://schemas.openxmlformats.org/drawingml/2006/diagram" xmlns:dsp="http://schemas.microsoft.com/office/drawing/2008/diagram" xmlns:p="http://schemas.openxmlformats.org/presentationml/2006/main">
   <p:sldMasterIdLst>
-    <p:sldMasterId id="2147483651" r:id="rId1"/>
+    <p:sldMasterId id="2147483650" r:id="rId1"/>
   </p:sldMasterIdLst>
   <p:notesMasterIdLst>
     <p:notesMasterId r:id="rId2"/>
@@ -975,16 +975,15 @@
 </file>
 
 <file path=ppt/slides/slide1.xml><?xml version="1.0" encoding="utf-8"?>
-<p:sld xmlns:a="http://schemas.openxmlformats.org/drawingml/2006/main" xmlns:r="http://schemas.openxmlformats.org/officeDocument/2006/relationships" xmlns:p="http://schemas.openxmlformats.org/presentationml/2006/main">
+<p:sld xmlns:r="http://schemas.openxmlformats.org/officeDocument/2006/relationships" xmlns:c="http://schemas.openxmlformats.org/drawingml/2006/chart" xmlns:a="http://schemas.openxmlformats.org/drawingml/2006/main" xmlns:dgm="http://schemas.openxmlformats.org/drawingml/2006/diagram" xmlns:dsp="http://schemas.microsoft.com/office/drawing/2008/diagram" xmlns:p="http://schemas.openxmlformats.org/presentationml/2006/main">
   <p:cSld>
     <p:bg>
-      <p:bgPr>
+      <p:bgPr shadeToTitle="0">
         <a:solidFill>
-          <a:srgbClr val="42C7F1">
+          <a:srgbClr val="42c7f1">
             <a:alpha val="50000"/>
           </a:srgbClr>
         </a:solidFill>
-        <a:effectLst/>
       </p:bgPr>
     </p:bg>
     <p:spTree>
@@ -1044,8 +1043,8 @@
         </p:nvSpPr>
         <p:spPr>
           <a:xfrm>
-            <a:off x="10093457" y="5736745"/>
-            <a:ext cx="1789932" cy="519275"/>
+            <a:off x="9440041" y="5754384"/>
+            <a:ext cx="2751959" cy="700250"/>
           </a:xfrm>
           <a:prstGeom prst="rect">
             <a:avLst/>
@@ -1062,31 +1061,46 @@
               <a:defRPr/>
             </a:pPr>
             <a:r>
-              <a:rPr lang="en-US" altLang="ko-KR" sz="1400" dirty="0"/>
+              <a:rPr lang="en-US" altLang="ko-KR" sz="2000">
+                <a:latin typeface="한컴 소망 B"/>
+                <a:ea typeface="한컴 소망 B"/>
+              </a:rPr>
               <a:t>2017182044</a:t>
             </a:r>
             <a:r>
-              <a:rPr lang="ko-KR" altLang="en-US" sz="1400" dirty="0"/>
-              <a:t> </a:t>
-            </a:r>
-            <a:r>
-              <a:rPr lang="ko-KR" altLang="en-US" sz="1400" dirty="0" err="1"/>
-              <a:t>최은우</a:t>
-            </a:r>
-            <a:endParaRPr lang="ko-KR" altLang="en-US" sz="1400" dirty="0"/>
+              <a:rPr lang="ko-KR" altLang="en-US" sz="2000">
+                <a:latin typeface="한컴 소망 B"/>
+                <a:ea typeface="한컴 소망 B"/>
+              </a:rPr>
+              <a:t> 최은우</a:t>
+            </a:r>
+            <a:endParaRPr lang="ko-KR" altLang="en-US" sz="2000">
+              <a:latin typeface="한컴 소망 B"/>
+              <a:ea typeface="한컴 소망 B"/>
+            </a:endParaRPr>
           </a:p>
           <a:p>
             <a:pPr lvl="0">
               <a:defRPr/>
             </a:pPr>
             <a:r>
-              <a:rPr lang="en-US" altLang="ko-KR" sz="1400" dirty="0"/>
+              <a:rPr lang="en-US" altLang="ko-KR" sz="2000">
+                <a:latin typeface="한컴 소망 B"/>
+                <a:ea typeface="한컴 소망 B"/>
+              </a:rPr>
               <a:t>2016182022 </a:t>
             </a:r>
             <a:r>
-              <a:rPr lang="ko-KR" altLang="en-US" sz="1400" dirty="0"/>
+              <a:rPr lang="ko-KR" altLang="en-US" sz="2000">
+                <a:latin typeface="한컴 소망 B"/>
+                <a:ea typeface="한컴 소망 B"/>
+              </a:rPr>
               <a:t>신동원</a:t>
             </a:r>
+            <a:endParaRPr lang="ko-KR" altLang="en-US" sz="2000">
+              <a:latin typeface="한컴 소망 B"/>
+              <a:ea typeface="한컴 소망 B"/>
+            </a:endParaRPr>
           </a:p>
         </p:txBody>
       </p:sp>
@@ -1113,13 +1127,14 @@
               <a:defRPr/>
             </a:pPr>
             <a:r>
-              <a:rPr lang="en-US" altLang="ko-KR" sz="4000" dirty="0"/>
+              <a:rPr lang="en-US" altLang="ko-KR" sz="4000"/>
               <a:t>2021</a:t>
             </a:r>
             <a:r>
-              <a:rPr lang="ko-KR" altLang="en-US" sz="4000" dirty="0"/>
+              <a:rPr lang="ko-KR" altLang="en-US" sz="4000"/>
               <a:t>년 졸업작품 초안</a:t>
             </a:r>
+            <a:endParaRPr lang="ko-KR" altLang="en-US" sz="4000"/>
           </a:p>
         </p:txBody>
       </p:sp>
@@ -1130,7 +1145,7 @@
           <p:nvPr/>
         </p:nvGrpSpPr>
         <p:grpSpPr>
-          <a:xfrm>
+          <a:xfrm rot="0">
             <a:off x="365760" y="3429000"/>
             <a:ext cx="7251940" cy="572533"/>
             <a:chOff x="365760" y="3429000"/>
@@ -1181,7 +1196,7 @@
           <p:spPr>
             <a:xfrm>
               <a:off x="365760" y="3632201"/>
-              <a:ext cx="2230755" cy="369332"/>
+              <a:ext cx="2278380" cy="369332"/>
             </a:xfrm>
             <a:prstGeom prst="rect">
               <a:avLst/>
@@ -1198,19 +1213,23 @@
                 <a:defRPr/>
               </a:pPr>
               <a:r>
-                <a:rPr lang="en-US" altLang="ko-KR" dirty="0">
-                  <a:latin typeface="나눔스퀘어 Bold"/>
-                  <a:ea typeface="나눔스퀘어 Bold"/>
+                <a:rPr lang="en-US" altLang="ko-KR">
+                  <a:latin typeface="궁서체"/>
+                  <a:ea typeface="궁서체"/>
                 </a:rPr>
                 <a:t>2021 </a:t>
               </a:r>
               <a:r>
-                <a:rPr lang="ko-KR" altLang="en-US" dirty="0">
-                  <a:latin typeface="나눔스퀘어 Bold"/>
-                  <a:ea typeface="나눔스퀘어 Bold"/>
+                <a:rPr lang="ko-KR" altLang="en-US">
+                  <a:latin typeface="궁서체"/>
+                  <a:ea typeface="궁서체"/>
                 </a:rPr>
                 <a:t>졸업작품 초안</a:t>
               </a:r>
+              <a:endParaRPr lang="ko-KR" altLang="en-US">
+                <a:latin typeface="궁서체"/>
+                <a:ea typeface="궁서체"/>
+              </a:endParaRPr>
             </a:p>
           </p:txBody>
         </p:sp>
@@ -1220,11 +1239,11 @@
   <p:clrMapOvr>
     <a:masterClrMapping/>
   </p:clrMapOvr>
-  <mc:AlternateContent xmlns:mc="http://schemas.openxmlformats.org/markup-compatibility/2006" xmlns:p14="http://schemas.microsoft.com/office/powerpoint/2010/main">
-    <mc:Choice Requires="p14">
-      <p:transition/>
+  <mc:AlternateContent xmlns:mc="http://schemas.openxmlformats.org/markup-compatibility/2006">
+    <mc:Choice xmlns:p14="http://schemas.microsoft.com/office/powerpoint/2010/main" Requires="p14">
+      <p:transition xmlns:mc="http://schemas.openxmlformats.org/markup-compatibility/2006" xmlns:p14="http://schemas.microsoft.com/office/powerpoint/2010/main" mc:Ignorable="p14" p14:dur="500"/>
     </mc:Choice>
-    <mc:Fallback xmlns:dsp="http://schemas.microsoft.com/office/drawing/2008/diagram" xmlns:dgm="http://schemas.openxmlformats.org/drawingml/2006/diagram" xmlns:c="http://schemas.openxmlformats.org/drawingml/2006/chart" xmlns="">
+    <mc:Fallback>
       <p:transition/>
     </mc:Fallback>
   </mc:AlternateContent>
@@ -2149,7 +2168,7 @@
 </file>
 
 <file path=ppt/slides/slide12.xml><?xml version="1.0" encoding="utf-8"?>
-<p:sld xmlns:a="http://schemas.openxmlformats.org/drawingml/2006/main" xmlns:r="http://schemas.openxmlformats.org/officeDocument/2006/relationships" xmlns:p="http://schemas.openxmlformats.org/presentationml/2006/main">
+<p:sld xmlns:r="http://schemas.openxmlformats.org/officeDocument/2006/relationships" xmlns:c="http://schemas.openxmlformats.org/drawingml/2006/chart" xmlns:a="http://schemas.openxmlformats.org/drawingml/2006/main" xmlns:dgm="http://schemas.openxmlformats.org/drawingml/2006/diagram" xmlns:dsp="http://schemas.microsoft.com/office/drawing/2008/diagram" xmlns:p="http://schemas.openxmlformats.org/presentationml/2006/main">
   <p:cSld>
     <p:spTree>
       <p:nvGrpSpPr>
@@ -2180,7 +2199,7 @@
             <a:avLst/>
           </a:prstGeom>
           <a:solidFill>
-            <a:srgbClr val="42C7F1">
+            <a:srgbClr val="42c7f1">
               <a:alpha val="50000"/>
             </a:srgbClr>
           </a:solidFill>
@@ -2260,6 +2279,13 @@
               </a:rPr>
               <a:t>개인별 준비 현황</a:t>
             </a:r>
+            <a:endParaRPr lang="ko-KR" altLang="en-US">
+              <a:solidFill>
+                <a:schemeClr val="bg2">
+                  <a:lumMod val="25000"/>
+                </a:schemeClr>
+              </a:solidFill>
+            </a:endParaRPr>
           </a:p>
         </p:txBody>
       </p:sp>
@@ -2317,14 +2343,14 @@
           <p:nvPr/>
         </p:nvGrpSpPr>
         <p:grpSpPr>
-          <a:xfrm flipH="1">
+          <a:xfrm rot="0" flipH="1">
             <a:off x="11374568" y="0"/>
             <a:ext cx="579033" cy="1227831"/>
             <a:chOff x="1066216" y="-1"/>
             <a:chExt cx="2336201" cy="4953878"/>
           </a:xfrm>
           <a:solidFill>
-            <a:srgbClr val="42C7F1">
+            <a:srgbClr val="42c7f1">
               <a:alpha val="50000"/>
             </a:srgbClr>
           </a:solidFill>
@@ -2344,7 +2370,7 @@
             <p:nvPr/>
           </p:nvGrpSpPr>
           <p:grpSpPr>
-            <a:xfrm>
+            <a:xfrm rot="0">
               <a:off x="1066216" y="-1"/>
               <a:ext cx="2336201" cy="4953878"/>
               <a:chOff x="662180" y="-1"/>
@@ -2533,7 +2559,7 @@
             <a:r>
               <a:rPr lang="ko-KR" altLang="en-US" sz="2400">
                 <a:solidFill>
-                  <a:srgbClr val="3C3C3C"/>
+                  <a:srgbClr val="3c3c3c"/>
                 </a:solidFill>
               </a:rPr>
               <a:t>최은우</a:t>
@@ -2541,11 +2567,16 @@
             <a:r>
               <a:rPr lang="en-US" altLang="ko-KR" sz="2400">
                 <a:solidFill>
-                  <a:srgbClr val="3C3C3C"/>
+                  <a:srgbClr val="3c3c3c"/>
                 </a:solidFill>
               </a:rPr>
               <a:t>:</a:t>
             </a:r>
+            <a:endParaRPr lang="en-US" altLang="ko-KR" sz="2400">
+              <a:solidFill>
+                <a:srgbClr val="3c3c3c"/>
+              </a:solidFill>
+            </a:endParaRPr>
           </a:p>
         </p:txBody>
       </p:sp>
@@ -2577,7 +2608,7 @@
             <a:r>
               <a:rPr lang="ko-KR" altLang="en-US" sz="2400">
                 <a:solidFill>
-                  <a:srgbClr val="3C3C3C"/>
+                  <a:srgbClr val="3c3c3c"/>
                 </a:solidFill>
               </a:rPr>
               <a:t>신동원</a:t>
@@ -2585,11 +2616,16 @@
             <a:r>
               <a:rPr lang="en-US" altLang="ko-KR" sz="2400">
                 <a:solidFill>
-                  <a:srgbClr val="3C3C3C"/>
+                  <a:srgbClr val="3c3c3c"/>
                 </a:solidFill>
               </a:rPr>
               <a:t>:</a:t>
             </a:r>
+            <a:endParaRPr lang="en-US" altLang="ko-KR" sz="2400">
+              <a:solidFill>
+                <a:srgbClr val="3c3c3c"/>
+              </a:solidFill>
+            </a:endParaRPr>
           </a:p>
         </p:txBody>
       </p:sp>
@@ -2620,7 +2656,7 @@
             </a:pPr>
             <a:endParaRPr lang="en-US" altLang="ko-KR" sz="2400">
               <a:solidFill>
-                <a:srgbClr val="3C3C3C"/>
+                <a:srgbClr val="3c3c3c"/>
               </a:solidFill>
             </a:endParaRPr>
           </a:p>
@@ -2675,37 +2711,50 @@
               <a:defRPr/>
             </a:pPr>
             <a:r>
-              <a:rPr lang="ko-KR" altLang="en-US" dirty="0"/>
+              <a:rPr lang="ko-KR" altLang="en-US">
+                <a:latin typeface="한컴 소망 B"/>
+                <a:ea typeface="한컴 소망 B"/>
+              </a:rPr>
               <a:t>인공지능 수업 수강 및 </a:t>
             </a:r>
             <a:r>
-              <a:rPr lang="en-US" altLang="ko-KR" dirty="0"/>
+              <a:rPr lang="en-US" altLang="ko-KR">
+                <a:latin typeface="한컴 소망 B"/>
+                <a:ea typeface="한컴 소망 B"/>
+              </a:rPr>
               <a:t>3D</a:t>
             </a:r>
             <a:r>
-              <a:rPr lang="ko-KR" altLang="en-US" dirty="0"/>
+              <a:rPr lang="ko-KR" altLang="en-US">
+                <a:latin typeface="한컴 소망 B"/>
+                <a:ea typeface="한컴 소망 B"/>
+              </a:rPr>
               <a:t>게임프로그래밍</a:t>
             </a:r>
             <a:r>
-              <a:rPr lang="en-US" altLang="ko-KR" dirty="0"/>
+              <a:rPr lang="en-US" altLang="ko-KR">
+                <a:latin typeface="한컴 소망 B"/>
+                <a:ea typeface="한컴 소망 B"/>
+              </a:rPr>
               <a:t>1,2</a:t>
             </a:r>
             <a:r>
-              <a:rPr lang="ko-KR" altLang="en-US" dirty="0"/>
+              <a:rPr lang="ko-KR" altLang="en-US">
+                <a:latin typeface="한컴 소망 B"/>
+                <a:ea typeface="한컴 소망 B"/>
+              </a:rPr>
               <a:t> 수강</a:t>
             </a:r>
+            <a:endParaRPr lang="ko-KR" altLang="en-US">
+              <a:latin typeface="한컴 소망 B"/>
+              <a:ea typeface="한컴 소망 B"/>
+            </a:endParaRPr>
           </a:p>
         </p:txBody>
       </p:sp>
       <p:sp>
         <p:nvSpPr>
-          <p:cNvPr id="16" name="TextBox 15">
-            <a:extLst>
-              <a:ext uri="{FF2B5EF4-FFF2-40B4-BE49-F238E27FC236}">
-                <a16:creationId xmlns:a16="http://schemas.microsoft.com/office/drawing/2014/main" id="{3D6CACF7-5FB9-432A-A8EB-02DF244E14C5}"/>
-              </a:ext>
-            </a:extLst>
-          </p:cNvPr>
+          <p:cNvPr id="16" name="TextBox 15"/>
           <p:cNvSpPr txBox="1"/>
           <p:nvPr/>
         </p:nvSpPr>
@@ -2726,21 +2775,37 @@
               <a:defRPr/>
             </a:pPr>
             <a:r>
-              <a:rPr lang="en-US" altLang="ko-KR" dirty="0"/>
+              <a:rPr lang="en-US" altLang="ko-KR">
+                <a:latin typeface="한컴 소망 B"/>
+                <a:ea typeface="한컴 소망 B"/>
+              </a:rPr>
               <a:t>3D </a:t>
             </a:r>
             <a:r>
-              <a:rPr lang="ko-KR" altLang="en-US" dirty="0"/>
+              <a:rPr lang="ko-KR" altLang="en-US">
+                <a:latin typeface="한컴 소망 B"/>
+                <a:ea typeface="한컴 소망 B"/>
+              </a:rPr>
               <a:t>모델링 및 </a:t>
             </a:r>
             <a:r>
-              <a:rPr lang="en-US" altLang="ko-KR" dirty="0"/>
+              <a:rPr lang="en-US" altLang="ko-KR">
+                <a:latin typeface="한컴 소망 B"/>
+                <a:ea typeface="한컴 소망 B"/>
+              </a:rPr>
               <a:t>3D </a:t>
             </a:r>
             <a:r>
-              <a:rPr lang="ko-KR" altLang="en-US" dirty="0"/>
+              <a:rPr lang="ko-KR" altLang="en-US">
+                <a:latin typeface="한컴 소망 B"/>
+                <a:ea typeface="한컴 소망 B"/>
+              </a:rPr>
               <a:t>애니메이션 수강</a:t>
             </a:r>
+            <a:endParaRPr lang="ko-KR" altLang="en-US">
+              <a:latin typeface="한컴 소망 B"/>
+              <a:ea typeface="한컴 소망 B"/>
+            </a:endParaRPr>
           </a:p>
         </p:txBody>
       </p:sp>
@@ -2749,11 +2814,11 @@
   <p:clrMapOvr>
     <a:masterClrMapping/>
   </p:clrMapOvr>
-  <mc:AlternateContent xmlns:mc="http://schemas.openxmlformats.org/markup-compatibility/2006" xmlns:p14="http://schemas.microsoft.com/office/powerpoint/2010/main">
-    <mc:Choice Requires="p14">
-      <p:transition/>
+  <mc:AlternateContent xmlns:mc="http://schemas.openxmlformats.org/markup-compatibility/2006">
+    <mc:Choice xmlns:p14="http://schemas.microsoft.com/office/powerpoint/2010/main" Requires="p14">
+      <p:transition xmlns:mc="http://schemas.openxmlformats.org/markup-compatibility/2006" xmlns:p14="http://schemas.microsoft.com/office/powerpoint/2010/main" mc:Ignorable="p14" p14:dur="500"/>
     </mc:Choice>
-    <mc:Fallback xmlns:dsp="http://schemas.microsoft.com/office/drawing/2008/diagram" xmlns:dgm="http://schemas.openxmlformats.org/drawingml/2006/diagram" xmlns:c="http://schemas.openxmlformats.org/drawingml/2006/chart" xmlns="">
+    <mc:Fallback>
       <p:transition/>
     </mc:Fallback>
   </mc:AlternateContent>
@@ -3379,7 +3444,7 @@
 </file>
 
 <file path=ppt/slides/slide14.xml><?xml version="1.0" encoding="utf-8"?>
-<p:sld xmlns:a="http://schemas.openxmlformats.org/drawingml/2006/main" xmlns:r="http://schemas.openxmlformats.org/officeDocument/2006/relationships" xmlns:p="http://schemas.openxmlformats.org/presentationml/2006/main">
+<p:sld xmlns:r="http://schemas.openxmlformats.org/officeDocument/2006/relationships" xmlns:c="http://schemas.openxmlformats.org/drawingml/2006/chart" xmlns:a="http://schemas.openxmlformats.org/drawingml/2006/main" xmlns:dgm="http://schemas.openxmlformats.org/drawingml/2006/diagram" xmlns:dsp="http://schemas.microsoft.com/office/drawing/2008/diagram" xmlns:p="http://schemas.openxmlformats.org/presentationml/2006/main">
   <p:cSld>
     <p:spTree>
       <p:nvGrpSpPr>
@@ -3410,7 +3475,7 @@
             <a:avLst/>
           </a:prstGeom>
           <a:solidFill>
-            <a:srgbClr val="42C7F1">
+            <a:srgbClr val="42c7f1">
               <a:alpha val="50000"/>
             </a:srgbClr>
           </a:solidFill>
@@ -3490,6 +3555,13 @@
               </a:rPr>
               <a:t>타 게임과의 차별성</a:t>
             </a:r>
+            <a:endParaRPr lang="ko-KR" altLang="en-US">
+              <a:solidFill>
+                <a:schemeClr val="bg2">
+                  <a:lumMod val="25000"/>
+                </a:schemeClr>
+              </a:solidFill>
+            </a:endParaRPr>
           </a:p>
         </p:txBody>
       </p:sp>
@@ -3547,14 +3619,14 @@
           <p:nvPr/>
         </p:nvGrpSpPr>
         <p:grpSpPr>
-          <a:xfrm flipH="1">
+          <a:xfrm rot="0" flipH="1">
             <a:off x="11374568" y="0"/>
             <a:ext cx="579033" cy="1227831"/>
             <a:chOff x="1066216" y="-1"/>
             <a:chExt cx="2336201" cy="4953878"/>
           </a:xfrm>
           <a:solidFill>
-            <a:srgbClr val="42C7F1">
+            <a:srgbClr val="42c7f1">
               <a:alpha val="50000"/>
             </a:srgbClr>
           </a:solidFill>
@@ -3574,7 +3646,7 @@
             <p:nvPr/>
           </p:nvGrpSpPr>
           <p:grpSpPr>
-            <a:xfrm>
+            <a:xfrm rot="0">
               <a:off x="1066216" y="-1"/>
               <a:ext cx="2336201" cy="4953878"/>
               <a:chOff x="662180" y="-1"/>
@@ -3845,6 +3917,7 @@
               <a:rPr lang="ko-KR" altLang="en-US" sz="2400"/>
               <a:t>롤토체스</a:t>
             </a:r>
+            <a:endParaRPr lang="ko-KR" altLang="en-US" sz="2400"/>
           </a:p>
         </p:txBody>
       </p:sp>
@@ -3895,26 +3968,46 @@
               <a:defRPr/>
             </a:pPr>
             <a:r>
-              <a:rPr lang="ko-KR" altLang="en-US"/>
+              <a:rPr lang="ko-KR" altLang="en-US">
+                <a:latin typeface="한컴 소망 B"/>
+                <a:ea typeface="한컴 소망 B"/>
+              </a:rPr>
               <a:t>자신만의 조합을 완성하여 다른 플레이어와 겨루는 </a:t>
             </a:r>
+            <a:endParaRPr lang="ko-KR" altLang="en-US">
+              <a:latin typeface="한컴 소망 B"/>
+              <a:ea typeface="한컴 소망 B"/>
+            </a:endParaRPr>
           </a:p>
           <a:p>
             <a:pPr algn="ctr">
               <a:defRPr/>
             </a:pPr>
             <a:r>
-              <a:rPr lang="ko-KR" altLang="en-US"/>
+              <a:rPr lang="ko-KR" altLang="en-US">
+                <a:latin typeface="한컴 소망 B"/>
+                <a:ea typeface="한컴 소망 B"/>
+              </a:rPr>
               <a:t>오토배틀 장르의 </a:t>
             </a:r>
             <a:r>
-              <a:rPr lang="en-US" altLang="ko-KR"/>
+              <a:rPr lang="en-US" altLang="ko-KR">
+                <a:latin typeface="한컴 소망 B"/>
+                <a:ea typeface="한컴 소망 B"/>
+              </a:rPr>
               <a:t>PVP</a:t>
             </a:r>
             <a:r>
-              <a:rPr lang="ko-KR" altLang="en-US"/>
+              <a:rPr lang="ko-KR" altLang="en-US">
+                <a:latin typeface="한컴 소망 B"/>
+                <a:ea typeface="한컴 소망 B"/>
+              </a:rPr>
               <a:t>게임</a:t>
             </a:r>
+            <a:endParaRPr lang="ko-KR" altLang="en-US">
+              <a:latin typeface="한컴 소망 B"/>
+              <a:ea typeface="한컴 소망 B"/>
+            </a:endParaRPr>
           </a:p>
         </p:txBody>
       </p:sp>
@@ -3923,11 +4016,11 @@
   <p:clrMapOvr>
     <a:masterClrMapping/>
   </p:clrMapOvr>
-  <mc:AlternateContent xmlns:mc="http://schemas.openxmlformats.org/markup-compatibility/2006" xmlns:p14="http://schemas.microsoft.com/office/powerpoint/2010/main">
-    <mc:Choice Requires="p14">
-      <p:transition/>
+  <mc:AlternateContent xmlns:mc="http://schemas.openxmlformats.org/markup-compatibility/2006">
+    <mc:Choice xmlns:p14="http://schemas.microsoft.com/office/powerpoint/2010/main" Requires="p14">
+      <p:transition xmlns:mc="http://schemas.openxmlformats.org/markup-compatibility/2006" xmlns:p14="http://schemas.microsoft.com/office/powerpoint/2010/main" mc:Ignorable="p14" p14:dur="500"/>
     </mc:Choice>
-    <mc:Fallback xmlns:dsp="http://schemas.microsoft.com/office/drawing/2008/diagram" xmlns:dgm="http://schemas.openxmlformats.org/drawingml/2006/diagram" xmlns:c="http://schemas.openxmlformats.org/drawingml/2006/chart" xmlns="">
+    <mc:Fallback>
       <p:transition/>
     </mc:Fallback>
   </mc:AlternateContent>
@@ -4111,10 +4204,10 @@
         </p:nvGrpSpPr>
         <p:grpSpPr>
           <a:xfrm rot="0">
-            <a:off x="866275" y="1227831"/>
-            <a:ext cx="10508293" cy="5429643"/>
-            <a:chOff x="642778" y="2143125"/>
-            <a:chExt cx="5453222" cy="1704975"/>
+            <a:off x="866274" y="1227831"/>
+            <a:ext cx="10508296" cy="5429643"/>
+            <a:chOff x="642777" y="2143125"/>
+            <a:chExt cx="5453223" cy="1704975"/>
           </a:xfrm>
           <a:solidFill>
             <a:srgbClr val="42c7f1">
@@ -4130,7 +4223,7 @@
           </p:nvGrpSpPr>
           <p:grpSpPr>
             <a:xfrm rot="0">
-              <a:off x="642778" y="2143125"/>
+              <a:off x="642777" y="2143125"/>
               <a:ext cx="2657474" cy="1704975"/>
               <a:chOff x="642778" y="1971675"/>
               <a:chExt cx="2657474" cy="1704975"/>
@@ -4228,10 +4321,18 @@
                   <a:defRPr/>
                 </a:pPr>
                 <a:r>
-                  <a:rPr lang="ko-KR" altLang="en-US" sz="2000"/>
+                  <a:rPr lang="ko-KR" altLang="en-US" sz="2000">
+                    <a:solidFill>
+                      <a:srgbClr val="6182d6"/>
+                    </a:solidFill>
+                  </a:rPr>
                   <a:t>차별성</a:t>
                 </a:r>
-                <a:endParaRPr lang="ko-KR" altLang="en-US" sz="2000"/>
+                <a:endParaRPr lang="ko-KR" altLang="en-US" sz="2000">
+                  <a:solidFill>
+                    <a:srgbClr val="6182d6"/>
+                  </a:solidFill>
+                </a:endParaRPr>
               </a:p>
             </p:txBody>
           </p:sp>
@@ -4342,10 +4443,18 @@
                   <a:defRPr/>
                 </a:pPr>
                 <a:r>
-                  <a:rPr lang="ko-KR" altLang="en-US" sz="2000"/>
+                  <a:rPr lang="ko-KR" altLang="en-US" sz="2000">
+                    <a:solidFill>
+                      <a:srgbClr val="6182d6"/>
+                    </a:solidFill>
+                  </a:rPr>
                   <a:t>경쟁성</a:t>
                 </a:r>
-                <a:endParaRPr lang="ko-KR" altLang="en-US" sz="2000"/>
+                <a:endParaRPr lang="ko-KR" altLang="en-US" sz="2000">
+                  <a:solidFill>
+                    <a:srgbClr val="6182d6"/>
+                  </a:solidFill>
+                </a:endParaRPr>
               </a:p>
             </p:txBody>
           </p:sp>
@@ -4618,100 +4727,163 @@
               <a:defRPr/>
             </a:pPr>
             <a:r>
-              <a:rPr lang="ko-KR" altLang="en-US"/>
+              <a:rPr lang="ko-KR" altLang="en-US">
+                <a:latin typeface="한컴 소망 B"/>
+                <a:ea typeface="한컴 소망 B"/>
+              </a:rPr>
               <a:t>사람들이 쉽게 이미지 할 수 있는 캐릭터를</a:t>
             </a:r>
-            <a:endParaRPr lang="ko-KR" altLang="en-US"/>
+            <a:endParaRPr lang="ko-KR" altLang="en-US">
+              <a:latin typeface="한컴 소망 B"/>
+              <a:ea typeface="한컴 소망 B"/>
+            </a:endParaRPr>
           </a:p>
           <a:p>
             <a:pPr>
               <a:defRPr/>
             </a:pPr>
             <a:r>
-              <a:rPr lang="ko-KR" altLang="en-US"/>
+              <a:rPr lang="ko-KR" altLang="en-US">
+                <a:latin typeface="한컴 소망 B"/>
+                <a:ea typeface="한컴 소망 B"/>
+              </a:rPr>
               <a:t>바탕으로 진입장벽을 낮춘다</a:t>
             </a:r>
             <a:r>
-              <a:rPr lang="en-US" altLang="ko-KR"/>
+              <a:rPr lang="en-US" altLang="ko-KR">
+                <a:latin typeface="한컴 소망 B"/>
+                <a:ea typeface="한컴 소망 B"/>
+              </a:rPr>
               <a:t>.</a:t>
             </a:r>
-            <a:endParaRPr lang="en-US" altLang="ko-KR"/>
+            <a:endParaRPr lang="en-US" altLang="ko-KR">
+              <a:latin typeface="한컴 소망 B"/>
+              <a:ea typeface="한컴 소망 B"/>
+            </a:endParaRPr>
           </a:p>
           <a:p>
             <a:pPr>
               <a:defRPr/>
             </a:pPr>
-            <a:endParaRPr lang="ko-KR" altLang="en-US"/>
+            <a:endParaRPr lang="ko-KR" altLang="en-US">
+              <a:latin typeface="한컴 소망 B"/>
+              <a:ea typeface="한컴 소망 B"/>
+            </a:endParaRPr>
           </a:p>
           <a:p>
             <a:pPr>
               <a:defRPr/>
             </a:pPr>
             <a:r>
-              <a:rPr lang="en-US" altLang="ko-KR"/>
+              <a:rPr lang="en-US" altLang="ko-KR">
+                <a:latin typeface="한컴 소망 B"/>
+                <a:ea typeface="한컴 소망 B"/>
+              </a:rPr>
               <a:t>PVP</a:t>
             </a:r>
             <a:r>
-              <a:rPr lang="ko-KR" altLang="en-US"/>
+              <a:rPr lang="ko-KR" altLang="en-US">
+                <a:latin typeface="한컴 소망 B"/>
+                <a:ea typeface="한컴 소망 B"/>
+              </a:rPr>
               <a:t>가 아닌 </a:t>
             </a:r>
             <a:r>
-              <a:rPr lang="en-US" altLang="ko-KR"/>
+              <a:rPr lang="en-US" altLang="ko-KR">
+                <a:latin typeface="한컴 소망 B"/>
+                <a:ea typeface="한컴 소망 B"/>
+              </a:rPr>
               <a:t>PVE</a:t>
             </a:r>
             <a:r>
-              <a:rPr lang="ko-KR" altLang="en-US"/>
+              <a:rPr lang="ko-KR" altLang="en-US">
+                <a:latin typeface="한컴 소망 B"/>
+                <a:ea typeface="한컴 소망 B"/>
+              </a:rPr>
               <a:t> 형태의 게임으로서 </a:t>
             </a:r>
-            <a:endParaRPr lang="ko-KR" altLang="en-US"/>
+            <a:endParaRPr lang="ko-KR" altLang="en-US">
+              <a:latin typeface="한컴 소망 B"/>
+              <a:ea typeface="한컴 소망 B"/>
+            </a:endParaRPr>
           </a:p>
           <a:p>
             <a:pPr>
               <a:defRPr/>
             </a:pPr>
             <a:r>
-              <a:rPr lang="ko-KR" altLang="en-US"/>
+              <a:rPr lang="ko-KR" altLang="en-US">
+                <a:latin typeface="한컴 소망 B"/>
+                <a:ea typeface="한컴 소망 B"/>
+              </a:rPr>
               <a:t>몬스터를 사냥하는 </a:t>
             </a:r>
             <a:r>
-              <a:rPr lang="en-US" altLang="ko-KR"/>
+              <a:rPr lang="en-US" altLang="ko-KR">
+                <a:latin typeface="한컴 소망 B"/>
+                <a:ea typeface="한컴 소망 B"/>
+              </a:rPr>
               <a:t>RPG</a:t>
             </a:r>
             <a:r>
-              <a:rPr lang="ko-KR" altLang="en-US"/>
+              <a:rPr lang="ko-KR" altLang="en-US">
+                <a:latin typeface="한컴 소망 B"/>
+                <a:ea typeface="한컴 소망 B"/>
+              </a:rPr>
               <a:t>의 느낌을 준다</a:t>
             </a:r>
             <a:r>
-              <a:rPr lang="en-US" altLang="ko-KR"/>
+              <a:rPr lang="en-US" altLang="ko-KR">
+                <a:latin typeface="한컴 소망 B"/>
+                <a:ea typeface="한컴 소망 B"/>
+              </a:rPr>
               <a:t>.</a:t>
             </a:r>
-            <a:endParaRPr lang="en-US" altLang="ko-KR"/>
+            <a:endParaRPr lang="en-US" altLang="ko-KR">
+              <a:latin typeface="한컴 소망 B"/>
+              <a:ea typeface="한컴 소망 B"/>
+            </a:endParaRPr>
           </a:p>
           <a:p>
             <a:pPr>
               <a:defRPr/>
             </a:pPr>
-            <a:endParaRPr lang="ko-KR" altLang="en-US"/>
+            <a:endParaRPr lang="ko-KR" altLang="en-US">
+              <a:latin typeface="한컴 소망 B"/>
+              <a:ea typeface="한컴 소망 B"/>
+            </a:endParaRPr>
           </a:p>
           <a:p>
             <a:pPr>
               <a:defRPr/>
             </a:pPr>
             <a:r>
-              <a:rPr lang="ko-KR" altLang="en-US"/>
+              <a:rPr lang="ko-KR" altLang="en-US">
+                <a:latin typeface="한컴 소망 B"/>
+                <a:ea typeface="한컴 소망 B"/>
+              </a:rPr>
               <a:t>다른 사람의 조합과 자신의 조합이 겹치지 않을까 고민하지 않아도 된다</a:t>
             </a:r>
             <a:r>
-              <a:rPr lang="en-US" altLang="ko-KR"/>
+              <a:rPr lang="en-US" altLang="ko-KR">
+                <a:latin typeface="한컴 소망 B"/>
+                <a:ea typeface="한컴 소망 B"/>
+              </a:rPr>
               <a:t>.</a:t>
             </a:r>
-            <a:endParaRPr lang="en-US" altLang="ko-KR"/>
+            <a:endParaRPr lang="en-US" altLang="ko-KR">
+              <a:latin typeface="한컴 소망 B"/>
+              <a:ea typeface="한컴 소망 B"/>
+            </a:endParaRPr>
           </a:p>
           <a:p>
             <a:pPr>
               <a:defRPr/>
             </a:pPr>
-            <a:endParaRPr lang="ko-KR" altLang="en-US"/>
+            <a:endParaRPr lang="ko-KR" altLang="en-US">
+              <a:latin typeface="한컴 소망 B"/>
+              <a:ea typeface="한컴 소망 B"/>
+            </a:endParaRPr>
           </a:p>
           <a:p>
             <a:pPr>
@@ -4750,26 +4922,57 @@
               <a:defRPr/>
             </a:pPr>
             <a:r>
-              <a:rPr lang="ko-KR" altLang="en-US"/>
+              <a:rPr lang="ko-KR" altLang="en-US">
+                <a:latin typeface="한컴 소망 B"/>
+                <a:ea typeface="한컴 소망 B"/>
+              </a:rPr>
               <a:t>자신만의 조합으로 보스를 잡는 쾌감</a:t>
             </a:r>
-            <a:endParaRPr lang="ko-KR" altLang="en-US"/>
+            <a:endParaRPr lang="ko-KR" altLang="en-US">
+              <a:latin typeface="한컴 소망 B"/>
+              <a:ea typeface="한컴 소망 B"/>
+            </a:endParaRPr>
           </a:p>
           <a:p>
             <a:pPr>
               <a:defRPr/>
             </a:pPr>
-            <a:endParaRPr lang="ko-KR" altLang="en-US"/>
+            <a:endParaRPr lang="ko-KR" altLang="en-US">
+              <a:latin typeface="한컴 소망 B"/>
+              <a:ea typeface="한컴 소망 B"/>
+            </a:endParaRPr>
           </a:p>
           <a:p>
             <a:pPr>
               <a:defRPr/>
             </a:pPr>
             <a:r>
-              <a:rPr lang="ko-KR" altLang="en-US"/>
-              <a:t>패배한 보스에게 다양한 조합으로 도전하는 전략</a:t>
-            </a:r>
-            <a:endParaRPr lang="ko-KR" altLang="en-US"/>
+              <a:rPr lang="ko-KR" altLang="en-US">
+                <a:latin typeface="한컴 소망 B"/>
+                <a:ea typeface="한컴 소망 B"/>
+              </a:rPr>
+              <a:t>패배한 보스에게 다양한 조합으로 </a:t>
+            </a:r>
+            <a:endParaRPr lang="ko-KR" altLang="en-US">
+              <a:latin typeface="한컴 소망 B"/>
+              <a:ea typeface="한컴 소망 B"/>
+            </a:endParaRPr>
+          </a:p>
+          <a:p>
+            <a:pPr>
+              <a:defRPr/>
+            </a:pPr>
+            <a:r>
+              <a:rPr lang="ko-KR" altLang="en-US">
+                <a:latin typeface="한컴 소망 B"/>
+                <a:ea typeface="한컴 소망 B"/>
+              </a:rPr>
+              <a:t>도전하는 전략</a:t>
+            </a:r>
+            <a:endParaRPr lang="ko-KR" altLang="en-US">
+              <a:latin typeface="한컴 소망 B"/>
+              <a:ea typeface="한컴 소망 B"/>
+            </a:endParaRPr>
           </a:p>
         </p:txBody>
       </p:sp>
@@ -5408,7 +5611,7 @@
 </file>
 
 <file path=ppt/slides/slide17.xml><?xml version="1.0" encoding="utf-8"?>
-<p:sld xmlns:a="http://schemas.openxmlformats.org/drawingml/2006/main" xmlns:r="http://schemas.openxmlformats.org/officeDocument/2006/relationships" xmlns:p="http://schemas.openxmlformats.org/presentationml/2006/main">
+<p:sld xmlns:r="http://schemas.openxmlformats.org/officeDocument/2006/relationships" xmlns:c="http://schemas.openxmlformats.org/drawingml/2006/chart" xmlns:a="http://schemas.openxmlformats.org/drawingml/2006/main" xmlns:dgm="http://schemas.openxmlformats.org/drawingml/2006/diagram" xmlns:dsp="http://schemas.microsoft.com/office/drawing/2008/diagram" xmlns:p="http://schemas.openxmlformats.org/presentationml/2006/main">
   <p:cSld>
     <p:spTree>
       <p:nvGrpSpPr>
@@ -5439,7 +5642,7 @@
             <a:avLst/>
           </a:prstGeom>
           <a:solidFill>
-            <a:srgbClr val="42C7F1">
+            <a:srgbClr val="42c7f1">
               <a:alpha val="50000"/>
             </a:srgbClr>
           </a:solidFill>
@@ -5519,6 +5722,13 @@
               </a:rPr>
               <a:t>역할분담 및 개발일정</a:t>
             </a:r>
+            <a:endParaRPr lang="ko-KR" altLang="en-US">
+              <a:solidFill>
+                <a:schemeClr val="bg2">
+                  <a:lumMod val="25000"/>
+                </a:schemeClr>
+              </a:solidFill>
+            </a:endParaRPr>
           </a:p>
         </p:txBody>
       </p:sp>
@@ -5576,14 +5786,14 @@
           <p:nvPr/>
         </p:nvGrpSpPr>
         <p:grpSpPr>
-          <a:xfrm flipH="1">
+          <a:xfrm rot="0" flipH="1">
             <a:off x="11374568" y="0"/>
             <a:ext cx="579033" cy="1227831"/>
             <a:chOff x="1066216" y="-1"/>
             <a:chExt cx="2336201" cy="4953878"/>
           </a:xfrm>
           <a:solidFill>
-            <a:srgbClr val="42C7F1">
+            <a:srgbClr val="42c7f1">
               <a:alpha val="50000"/>
             </a:srgbClr>
           </a:solidFill>
@@ -5603,7 +5813,7 @@
             <p:nvPr/>
           </p:nvGrpSpPr>
           <p:grpSpPr>
-            <a:xfrm>
+            <a:xfrm rot="0">
               <a:off x="1066216" y="-1"/>
               <a:ext cx="2336201" cy="4953878"/>
               <a:chOff x="662180" y="-1"/>
@@ -5771,14 +5981,14 @@
           <p:nvPr/>
         </p:nvGrpSpPr>
         <p:grpSpPr>
-          <a:xfrm>
+          <a:xfrm rot="0">
             <a:off x="309232" y="1307294"/>
             <a:ext cx="3714604" cy="5429643"/>
             <a:chOff x="642778" y="1971675"/>
             <a:chExt cx="1927674" cy="1704975"/>
           </a:xfrm>
           <a:solidFill>
-            <a:srgbClr val="42C7F1">
+            <a:srgbClr val="42c7f1">
               <a:alpha val="50000"/>
             </a:srgbClr>
           </a:solidFill>
@@ -5877,6 +6087,7 @@
                 <a:rPr lang="ko-KR" altLang="en-US" sz="2000"/>
                 <a:t>최은우</a:t>
               </a:r>
+              <a:endParaRPr lang="ko-KR" altLang="en-US" sz="2000"/>
             </a:p>
           </p:txBody>
         </p:sp>
@@ -5909,38 +6120,50 @@
               <a:defRPr/>
             </a:pPr>
             <a:r>
-              <a:rPr lang="ko-KR" altLang="en-US" sz="2000" dirty="0">
+              <a:rPr lang="ko-KR" altLang="en-US" sz="2000">
                 <a:solidFill>
                   <a:schemeClr val="accent4">
                     <a:lumMod val="25000"/>
                   </a:schemeClr>
                 </a:solidFill>
-                <a:ea typeface="+mj-ea"/>
+                <a:latin typeface="한컴 소망 B"/>
+                <a:ea typeface="한컴 소망 B"/>
               </a:rPr>
               <a:t>다이렉트</a:t>
             </a:r>
             <a:r>
-              <a:rPr lang="en-US" altLang="ko-KR" sz="2000" dirty="0">
+              <a:rPr lang="en-US" altLang="ko-KR" sz="2000">
                 <a:solidFill>
                   <a:schemeClr val="accent4">
                     <a:lumMod val="25000"/>
                   </a:schemeClr>
                 </a:solidFill>
-                <a:ea typeface="+mj-ea"/>
+                <a:latin typeface="한컴 소망 B"/>
+                <a:ea typeface="한컴 소망 B"/>
               </a:rPr>
               <a:t>X</a:t>
             </a:r>
             <a:r>
-              <a:rPr lang="ko-KR" altLang="en-US" sz="2000" dirty="0">
+              <a:rPr lang="ko-KR" altLang="en-US" sz="2000">
                 <a:solidFill>
                   <a:schemeClr val="accent4">
                     <a:lumMod val="25000"/>
                   </a:schemeClr>
                 </a:solidFill>
-                <a:ea typeface="+mj-ea"/>
+                <a:latin typeface="한컴 소망 B"/>
+                <a:ea typeface="한컴 소망 B"/>
               </a:rPr>
               <a:t>로 필드 구현 </a:t>
             </a:r>
+            <a:endParaRPr lang="ko-KR" altLang="en-US" sz="2000">
+              <a:solidFill>
+                <a:schemeClr val="accent4">
+                  <a:lumMod val="25000"/>
+                </a:schemeClr>
+              </a:solidFill>
+              <a:latin typeface="한컴 소망 B"/>
+              <a:ea typeface="한컴 소망 B"/>
+            </a:endParaRPr>
           </a:p>
           <a:p>
             <a:pPr marL="285750" indent="-285750">
@@ -5948,7 +6171,77 @@
               <a:buChar char="§"/>
               <a:defRPr/>
             </a:pPr>
-            <a:endParaRPr lang="en-US" altLang="ko-KR" sz="2000" dirty="0">
+            <a:endParaRPr lang="en-US" altLang="ko-KR" sz="2000">
+              <a:solidFill>
+                <a:schemeClr val="accent4">
+                  <a:lumMod val="25000"/>
+                </a:schemeClr>
+              </a:solidFill>
+              <a:latin typeface="한컴 소망 B"/>
+              <a:ea typeface="한컴 소망 B"/>
+            </a:endParaRPr>
+          </a:p>
+          <a:p>
+            <a:pPr marL="285750" indent="-285750">
+              <a:buFont typeface="Wingdings"/>
+              <a:buChar char="§"/>
+              <a:defRPr/>
+            </a:pPr>
+            <a:r>
+              <a:rPr lang="en-US" altLang="ko-KR" sz="2000">
+                <a:solidFill>
+                  <a:schemeClr val="accent4">
+                    <a:lumMod val="25000"/>
+                  </a:schemeClr>
+                </a:solidFill>
+                <a:latin typeface="한컴 소망 B"/>
+                <a:ea typeface="한컴 소망 B"/>
+              </a:rPr>
+              <a:t>A.I</a:t>
+            </a:r>
+            <a:r>
+              <a:rPr lang="ko-KR" altLang="en-US" sz="2000">
+                <a:solidFill>
+                  <a:schemeClr val="accent4">
+                    <a:lumMod val="25000"/>
+                  </a:schemeClr>
+                </a:solidFill>
+                <a:latin typeface="한컴 소망 B"/>
+                <a:ea typeface="한컴 소망 B"/>
+              </a:rPr>
+              <a:t> 구현</a:t>
+            </a:r>
+            <a:endParaRPr lang="ko-KR" altLang="en-US" sz="2000">
+              <a:solidFill>
+                <a:schemeClr val="accent4">
+                  <a:lumMod val="25000"/>
+                </a:schemeClr>
+              </a:solidFill>
+              <a:latin typeface="한컴 소망 B"/>
+              <a:ea typeface="한컴 소망 B"/>
+            </a:endParaRPr>
+          </a:p>
+          <a:p>
+            <a:pPr lvl="0">
+              <a:defRPr/>
+            </a:pPr>
+            <a:endParaRPr lang="en-US" altLang="ko-KR" sz="2000">
+              <a:solidFill>
+                <a:schemeClr val="accent4">
+                  <a:lumMod val="25000"/>
+                </a:schemeClr>
+              </a:solidFill>
+              <a:latin typeface="한컴 소망 B"/>
+              <a:ea typeface="한컴 소망 B"/>
+            </a:endParaRPr>
+          </a:p>
+          <a:p>
+            <a:pPr marL="285750" indent="-285750">
+              <a:buFont typeface="Wingdings"/>
+              <a:buChar char="§"/>
+              <a:defRPr/>
+            </a:pPr>
+            <a:endParaRPr lang="ko-KR" altLang="en-US" sz="2000">
               <a:solidFill>
                 <a:schemeClr val="accent4">
                   <a:lumMod val="25000"/>
@@ -5963,34 +6256,7 @@
               <a:buChar char="§"/>
               <a:defRPr/>
             </a:pPr>
-            <a:r>
-              <a:rPr lang="en-US" altLang="ko-KR" sz="2000" dirty="0">
-                <a:solidFill>
-                  <a:schemeClr val="accent4">
-                    <a:lumMod val="25000"/>
-                  </a:schemeClr>
-                </a:solidFill>
-                <a:ea typeface="+mj-ea"/>
-              </a:rPr>
-              <a:t>A.I</a:t>
-            </a:r>
-            <a:r>
-              <a:rPr lang="ko-KR" altLang="en-US" sz="2000" dirty="0">
-                <a:solidFill>
-                  <a:schemeClr val="accent4">
-                    <a:lumMod val="25000"/>
-                  </a:schemeClr>
-                </a:solidFill>
-                <a:ea typeface="+mj-ea"/>
-              </a:rPr>
-              <a:t> 구현</a:t>
-            </a:r>
-          </a:p>
-          <a:p>
-            <a:pPr lvl="0">
-              <a:defRPr/>
-            </a:pPr>
-            <a:endParaRPr lang="en-US" altLang="ko-KR" sz="2000" dirty="0">
+            <a:endParaRPr lang="en-US" altLang="ko-KR" sz="2300">
               <a:solidFill>
                 <a:schemeClr val="accent4">
                   <a:lumMod val="25000"/>
@@ -5999,36 +6265,6 @@
               <a:ea typeface="+mj-ea"/>
             </a:endParaRPr>
           </a:p>
-          <a:p>
-            <a:pPr marL="285750" indent="-285750">
-              <a:buFont typeface="Wingdings"/>
-              <a:buChar char="§"/>
-              <a:defRPr/>
-            </a:pPr>
-            <a:endParaRPr lang="ko-KR" altLang="en-US" sz="2000" dirty="0">
-              <a:solidFill>
-                <a:schemeClr val="accent4">
-                  <a:lumMod val="25000"/>
-                </a:schemeClr>
-              </a:solidFill>
-              <a:ea typeface="+mj-ea"/>
-            </a:endParaRPr>
-          </a:p>
-          <a:p>
-            <a:pPr marL="285750" indent="-285750">
-              <a:buFont typeface="Wingdings"/>
-              <a:buChar char="§"/>
-              <a:defRPr/>
-            </a:pPr>
-            <a:endParaRPr lang="en-US" altLang="ko-KR" sz="2300" dirty="0">
-              <a:solidFill>
-                <a:schemeClr val="accent4">
-                  <a:lumMod val="25000"/>
-                </a:schemeClr>
-              </a:solidFill>
-              <a:ea typeface="+mj-ea"/>
-            </a:endParaRPr>
-          </a:p>
         </p:txBody>
       </p:sp>
       <p:grpSp>
@@ -6038,14 +6274,14 @@
           <p:nvPr/>
         </p:nvGrpSpPr>
         <p:grpSpPr>
-          <a:xfrm>
+          <a:xfrm rot="0">
             <a:off x="4208009" y="1307294"/>
             <a:ext cx="3714604" cy="5429643"/>
             <a:chOff x="642778" y="1971675"/>
             <a:chExt cx="1927674" cy="1704975"/>
           </a:xfrm>
           <a:solidFill>
-            <a:srgbClr val="42C7F1"/>
+            <a:srgbClr val="42c7f1"/>
           </a:solidFill>
         </p:grpSpPr>
         <p:sp>
@@ -6063,7 +6299,7 @@
               <a:avLst/>
             </a:prstGeom>
             <a:solidFill>
-              <a:srgbClr val="42C7F1">
+              <a:srgbClr val="42c7f1">
                 <a:alpha val="50000"/>
               </a:srgbClr>
             </a:solidFill>
@@ -6146,6 +6382,7 @@
                 <a:rPr lang="ko-KR" altLang="en-US" sz="2000"/>
                 <a:t>신동원</a:t>
               </a:r>
+              <a:endParaRPr lang="ko-KR" altLang="en-US" sz="2000"/>
             </a:p>
           </p:txBody>
         </p:sp>
@@ -6190,20 +6427,14 @@
       </p:sp>
       <p:sp>
         <p:nvSpPr>
-          <p:cNvPr id="21" name="TextBox 20">
-            <a:extLst>
-              <a:ext uri="{FF2B5EF4-FFF2-40B4-BE49-F238E27FC236}">
-                <a16:creationId xmlns:a16="http://schemas.microsoft.com/office/drawing/2014/main" id="{B43F7376-6F21-4118-AA96-9A58DA35E39F}"/>
-              </a:ext>
-            </a:extLst>
-          </p:cNvPr>
+          <p:cNvPr id="21" name="TextBox 20"/>
           <p:cNvSpPr txBox="1"/>
           <p:nvPr/>
         </p:nvSpPr>
         <p:spPr>
           <a:xfrm>
             <a:off x="4312298" y="1972749"/>
-            <a:ext cx="3610315" cy="1985159"/>
+            <a:ext cx="3610315" cy="1959171"/>
           </a:xfrm>
           <a:prstGeom prst="rect">
             <a:avLst/>
@@ -6222,39 +6453,86 @@
               <a:defRPr/>
             </a:pPr>
             <a:r>
-              <a:rPr lang="ko-KR" altLang="en-US" sz="2000" dirty="0">
+              <a:rPr lang="ko-KR" altLang="en-US" sz="2000">
                 <a:solidFill>
                   <a:schemeClr val="accent4">
                     <a:lumMod val="25000"/>
                   </a:schemeClr>
                 </a:solidFill>
-                <a:ea typeface="+mj-ea"/>
+                <a:latin typeface="한컴 소망 B"/>
+                <a:ea typeface="한컴 소망 B"/>
               </a:rPr>
               <a:t>게임 </a:t>
             </a:r>
             <a:r>
-              <a:rPr lang="en-US" altLang="ko-KR" sz="2000" dirty="0">
+              <a:rPr lang="en-US" altLang="ko-KR" sz="2000">
                 <a:solidFill>
                   <a:schemeClr val="accent4">
                     <a:lumMod val="25000"/>
                   </a:schemeClr>
                 </a:solidFill>
-                <a:ea typeface="+mj-ea"/>
+                <a:latin typeface="한컴 소망 B"/>
+                <a:ea typeface="한컴 소망 B"/>
               </a:rPr>
               <a:t>UI</a:t>
             </a:r>
             <a:r>
-              <a:rPr lang="ko-KR" altLang="en-US" sz="2000" dirty="0">
+              <a:rPr lang="ko-KR" altLang="en-US" sz="2000">
                 <a:solidFill>
                   <a:schemeClr val="accent4">
                     <a:lumMod val="25000"/>
                   </a:schemeClr>
                 </a:solidFill>
-                <a:ea typeface="+mj-ea"/>
+                <a:latin typeface="한컴 소망 B"/>
+                <a:ea typeface="한컴 소망 B"/>
               </a:rPr>
               <a:t>에 쓸 디자인 구현</a:t>
             </a:r>
-            <a:endParaRPr lang="en-US" altLang="ko-KR" sz="2000" dirty="0">
+            <a:endParaRPr lang="ko-KR" altLang="en-US" sz="2000">
+              <a:solidFill>
+                <a:schemeClr val="accent4">
+                  <a:lumMod val="25000"/>
+                </a:schemeClr>
+              </a:solidFill>
+              <a:latin typeface="한컴 소망 B"/>
+              <a:ea typeface="한컴 소망 B"/>
+            </a:endParaRPr>
+          </a:p>
+          <a:p>
+            <a:pPr marL="285750" indent="-285750">
+              <a:buFont typeface="Wingdings"/>
+              <a:buChar char="§"/>
+              <a:defRPr/>
+            </a:pPr>
+            <a:endParaRPr lang="en-US" altLang="ko-KR" sz="2000">
+              <a:solidFill>
+                <a:schemeClr val="accent4">
+                  <a:lumMod val="25000"/>
+                </a:schemeClr>
+              </a:solidFill>
+              <a:latin typeface="한컴 소망 B"/>
+              <a:ea typeface="한컴 소망 B"/>
+            </a:endParaRPr>
+          </a:p>
+          <a:p>
+            <a:pPr marL="285750" indent="-285750">
+              <a:buFont typeface="Wingdings"/>
+              <a:buChar char="§"/>
+              <a:defRPr/>
+            </a:pPr>
+            <a:r>
+              <a:rPr lang="ko-KR" altLang="en-US" sz="2000">
+                <a:solidFill>
+                  <a:schemeClr val="accent4">
+                    <a:lumMod val="25000"/>
+                  </a:schemeClr>
+                </a:solidFill>
+                <a:latin typeface="한컴 소망 B"/>
+                <a:ea typeface="한컴 소망 B"/>
+              </a:rPr>
+              <a:t>게임 캐릭터나 배경 제작</a:t>
+            </a:r>
+            <a:endParaRPr lang="ko-KR" altLang="en-US" sz="2000">
               <a:solidFill>
                 <a:schemeClr val="accent4">
                   <a:lumMod val="25000"/>
@@ -6264,12 +6542,10 @@
             </a:endParaRPr>
           </a:p>
           <a:p>
-            <a:pPr marL="285750" indent="-285750">
-              <a:buFont typeface="Wingdings"/>
-              <a:buChar char="§"/>
-              <a:defRPr/>
-            </a:pPr>
-            <a:endParaRPr lang="en-US" altLang="ko-KR" sz="2000" dirty="0">
+            <a:pPr lvl="0">
+              <a:defRPr/>
+            </a:pPr>
+            <a:endParaRPr lang="en-US" altLang="ko-KR" sz="2000">
               <a:solidFill>
                 <a:schemeClr val="accent4">
                   <a:lumMod val="25000"/>
@@ -6284,23 +6560,7 @@
               <a:buChar char="§"/>
               <a:defRPr/>
             </a:pPr>
-            <a:r>
-              <a:rPr lang="ko-KR" altLang="en-US" sz="2000" dirty="0">
-                <a:solidFill>
-                  <a:schemeClr val="accent4">
-                    <a:lumMod val="25000"/>
-                  </a:schemeClr>
-                </a:solidFill>
-                <a:ea typeface="+mj-ea"/>
-              </a:rPr>
-              <a:t>게임 캐릭터나 배경 제작</a:t>
-            </a:r>
-          </a:p>
-          <a:p>
-            <a:pPr lvl="0">
-              <a:defRPr/>
-            </a:pPr>
-            <a:endParaRPr lang="en-US" altLang="ko-KR" sz="2000" dirty="0">
+            <a:endParaRPr lang="ko-KR" altLang="en-US" sz="2000">
               <a:solidFill>
                 <a:schemeClr val="accent4">
                   <a:lumMod val="25000"/>
@@ -6315,7 +6575,7 @@
               <a:buChar char="§"/>
               <a:defRPr/>
             </a:pPr>
-            <a:endParaRPr lang="ko-KR" altLang="en-US" sz="2000" dirty="0">
+            <a:endParaRPr lang="en-US" altLang="ko-KR" sz="2300">
               <a:solidFill>
                 <a:schemeClr val="accent4">
                   <a:lumMod val="25000"/>
@@ -6324,21 +6584,6 @@
               <a:ea typeface="+mj-ea"/>
             </a:endParaRPr>
           </a:p>
-          <a:p>
-            <a:pPr marL="285750" indent="-285750">
-              <a:buFont typeface="Wingdings"/>
-              <a:buChar char="§"/>
-              <a:defRPr/>
-            </a:pPr>
-            <a:endParaRPr lang="en-US" altLang="ko-KR" sz="2300" dirty="0">
-              <a:solidFill>
-                <a:schemeClr val="accent4">
-                  <a:lumMod val="25000"/>
-                </a:schemeClr>
-              </a:solidFill>
-              <a:ea typeface="+mj-ea"/>
-            </a:endParaRPr>
-          </a:p>
         </p:txBody>
       </p:sp>
     </p:spTree>
@@ -6346,11 +6591,11 @@
   <p:clrMapOvr>
     <a:masterClrMapping/>
   </p:clrMapOvr>
-  <mc:AlternateContent xmlns:mc="http://schemas.openxmlformats.org/markup-compatibility/2006" xmlns:p14="http://schemas.microsoft.com/office/powerpoint/2010/main">
-    <mc:Choice Requires="p14">
-      <p:transition/>
+  <mc:AlternateContent xmlns:mc="http://schemas.openxmlformats.org/markup-compatibility/2006">
+    <mc:Choice xmlns:p14="http://schemas.microsoft.com/office/powerpoint/2010/main" Requires="p14">
+      <p:transition xmlns:mc="http://schemas.openxmlformats.org/markup-compatibility/2006" xmlns:p14="http://schemas.microsoft.com/office/powerpoint/2010/main" mc:Ignorable="p14" p14:dur="500"/>
     </mc:Choice>
-    <mc:Fallback xmlns:dsp="http://schemas.microsoft.com/office/drawing/2008/diagram" xmlns:dgm="http://schemas.openxmlformats.org/drawingml/2006/diagram" xmlns:c="http://schemas.openxmlformats.org/drawingml/2006/chart" xmlns="">
+    <mc:Fallback>
       <p:transition/>
     </mc:Fallback>
   </mc:AlternateContent>
@@ -7340,16 +7585,15 @@
 </file>
 
 <file path=ppt/slides/slide2.xml><?xml version="1.0" encoding="utf-8"?>
-<p:sld xmlns:a="http://schemas.openxmlformats.org/drawingml/2006/main" xmlns:r="http://schemas.openxmlformats.org/officeDocument/2006/relationships" xmlns:p="http://schemas.openxmlformats.org/presentationml/2006/main">
+<p:sld xmlns:r="http://schemas.openxmlformats.org/officeDocument/2006/relationships" xmlns:c="http://schemas.openxmlformats.org/drawingml/2006/chart" xmlns:a="http://schemas.openxmlformats.org/drawingml/2006/main" xmlns:dgm="http://schemas.openxmlformats.org/drawingml/2006/diagram" xmlns:dsp="http://schemas.microsoft.com/office/drawing/2008/diagram" xmlns:p="http://schemas.openxmlformats.org/presentationml/2006/main">
   <p:cSld>
     <p:bg>
-      <p:bgPr>
+      <p:bgPr shadeToTitle="0">
         <a:solidFill>
-          <a:srgbClr val="42C7F1">
+          <a:srgbClr val="42c7f1">
             <a:alpha val="50000"/>
           </a:srgbClr>
         </a:solidFill>
-        <a:effectLst/>
       </p:bgPr>
     </p:bg>
     <p:spTree>
@@ -7373,7 +7617,7 @@
           <p:nvPr/>
         </p:nvGrpSpPr>
         <p:grpSpPr>
-          <a:xfrm flipH="1">
+          <a:xfrm rot="0" flipH="1">
             <a:off x="11374154" y="0"/>
             <a:ext cx="579447" cy="1227831"/>
             <a:chOff x="1066216" y="-1"/>
@@ -7398,7 +7642,7 @@
             <p:nvPr/>
           </p:nvGrpSpPr>
           <p:grpSpPr>
-            <a:xfrm>
+            <a:xfrm rot="0">
               <a:off x="1066216" y="-1"/>
               <a:ext cx="2337872" cy="4953878"/>
               <a:chOff x="662180" y="-1"/>
@@ -7589,10 +7833,10 @@
               <a:defRPr/>
             </a:pPr>
             <a:r>
-              <a:rPr lang="en-US" altLang="ko-KR" sz="2400" b="1" dirty="0"/>
+              <a:rPr lang="en-US" altLang="ko-KR" sz="2400" b="1"/>
               <a:t>CONTENTS</a:t>
             </a:r>
-            <a:endParaRPr lang="ko-KR" altLang="en-US" sz="2400" b="1" dirty="0"/>
+            <a:endParaRPr lang="ko-KR" altLang="en-US" sz="2400" b="1"/>
           </a:p>
         </p:txBody>
       </p:sp>
@@ -7664,9 +7908,10 @@
               <a:defRPr/>
             </a:pPr>
             <a:r>
-              <a:rPr lang="en-US" altLang="ko-KR" sz="2300" b="1" spc="300" dirty="0"/>
+              <a:rPr lang="en-US" altLang="ko-KR" sz="2300" b="1" spc="300"/>
               <a:t>01</a:t>
             </a:r>
+            <a:endParaRPr lang="en-US" altLang="ko-KR" sz="2300" b="1" spc="300"/>
           </a:p>
           <a:p>
             <a:pPr algn="r">
@@ -7676,9 +7921,10 @@
               <a:defRPr/>
             </a:pPr>
             <a:r>
-              <a:rPr lang="en-US" altLang="ko-KR" sz="2300" b="1" dirty="0"/>
+              <a:rPr lang="en-US" altLang="ko-KR" sz="2300" b="1"/>
               <a:t>02</a:t>
             </a:r>
+            <a:endParaRPr lang="en-US" altLang="ko-KR" sz="2300" b="1"/>
           </a:p>
           <a:p>
             <a:pPr algn="r">
@@ -7688,9 +7934,10 @@
               <a:defRPr/>
             </a:pPr>
             <a:r>
-              <a:rPr lang="en-US" altLang="ko-KR" sz="2300" b="1" dirty="0"/>
+              <a:rPr lang="en-US" altLang="ko-KR" sz="2300" b="1"/>
               <a:t>03</a:t>
             </a:r>
+            <a:endParaRPr lang="en-US" altLang="ko-KR" sz="2300" b="1"/>
           </a:p>
           <a:p>
             <a:pPr algn="r">
@@ -7700,10 +7947,10 @@
               <a:defRPr/>
             </a:pPr>
             <a:r>
-              <a:rPr lang="en-US" altLang="ko-KR" sz="2300" b="1" dirty="0"/>
+              <a:rPr lang="en-US" altLang="ko-KR" sz="2300" b="1"/>
               <a:t>04</a:t>
             </a:r>
-            <a:endParaRPr lang="ko-KR" altLang="en-US" sz="2300" b="1" dirty="0"/>
+            <a:endParaRPr lang="ko-KR" altLang="en-US" sz="2300" b="1"/>
           </a:p>
         </p:txBody>
       </p:sp>
@@ -7716,7 +7963,7 @@
         <p:spPr>
           <a:xfrm>
             <a:off x="3838760" y="1803916"/>
-            <a:ext cx="1031051" cy="369332"/>
+            <a:ext cx="1053280" cy="369332"/>
           </a:xfrm>
           <a:prstGeom prst="rect">
             <a:avLst/>
@@ -7733,12 +7980,16 @@
               <a:defRPr/>
             </a:pPr>
             <a:r>
-              <a:rPr lang="ko-KR" altLang="en-US" spc="-150" dirty="0">
-                <a:latin typeface="+mj-ea"/>
-                <a:ea typeface="+mj-ea"/>
+              <a:rPr lang="ko-KR" altLang="en-US" spc="-150">
+                <a:latin typeface="한컴 소망 B"/>
+                <a:ea typeface="한컴 소망 B"/>
               </a:rPr>
               <a:t>연구목적</a:t>
             </a:r>
+            <a:endParaRPr lang="ko-KR" altLang="en-US" spc="-150">
+              <a:latin typeface="한컴 소망 B"/>
+              <a:ea typeface="한컴 소망 B"/>
+            </a:endParaRPr>
           </a:p>
         </p:txBody>
       </p:sp>
@@ -7751,7 +8002,7 @@
         <p:spPr>
           <a:xfrm>
             <a:off x="3838760" y="3072735"/>
-            <a:ext cx="1790875" cy="369332"/>
+            <a:ext cx="1853380" cy="369332"/>
           </a:xfrm>
           <a:prstGeom prst="rect">
             <a:avLst/>
@@ -7768,12 +8019,16 @@
               <a:defRPr/>
             </a:pPr>
             <a:r>
-              <a:rPr lang="ko-KR" altLang="en-US" spc="-150" dirty="0">
-                <a:latin typeface="+mj-ea"/>
-                <a:ea typeface="+mj-ea"/>
+              <a:rPr lang="ko-KR" altLang="en-US" spc="-150">
+                <a:latin typeface="한컴 소망 B"/>
+                <a:ea typeface="한컴 소망 B"/>
               </a:rPr>
               <a:t>게임소개 및 방법</a:t>
             </a:r>
+            <a:endParaRPr lang="ko-KR" altLang="en-US" spc="-150">
+              <a:latin typeface="한컴 소망 B"/>
+              <a:ea typeface="한컴 소망 B"/>
+            </a:endParaRPr>
           </a:p>
         </p:txBody>
       </p:sp>
@@ -7786,7 +8041,7 @@
         <p:spPr>
           <a:xfrm>
             <a:off x="3838760" y="4336329"/>
-            <a:ext cx="1031051" cy="369332"/>
+            <a:ext cx="1053280" cy="369332"/>
           </a:xfrm>
           <a:prstGeom prst="rect">
             <a:avLst/>
@@ -7803,12 +8058,16 @@
               <a:defRPr/>
             </a:pPr>
             <a:r>
-              <a:rPr lang="ko-KR" altLang="en-US" spc="-150" dirty="0">
-                <a:latin typeface="+mj-ea"/>
-                <a:ea typeface="+mj-ea"/>
+              <a:rPr lang="ko-KR" altLang="en-US" spc="-150">
+                <a:latin typeface="한컴 소망 B"/>
+                <a:ea typeface="한컴 소망 B"/>
               </a:rPr>
               <a:t>개발환경</a:t>
             </a:r>
+            <a:endParaRPr lang="ko-KR" altLang="en-US" spc="-150">
+              <a:latin typeface="한컴 소망 B"/>
+              <a:ea typeface="한컴 소망 B"/>
+            </a:endParaRPr>
           </a:p>
         </p:txBody>
       </p:sp>
@@ -7821,7 +8080,7 @@
         <p:spPr>
           <a:xfrm>
             <a:off x="3838760" y="5599923"/>
-            <a:ext cx="2839239" cy="369332"/>
+            <a:ext cx="2901130" cy="369332"/>
           </a:xfrm>
           <a:prstGeom prst="rect">
             <a:avLst/>
@@ -7838,12 +8097,16 @@
               <a:defRPr/>
             </a:pPr>
             <a:r>
-              <a:rPr lang="ko-KR" altLang="en-US" spc="-150" dirty="0">
-                <a:latin typeface="+mj-ea"/>
-                <a:ea typeface="+mj-ea"/>
+              <a:rPr lang="ko-KR" altLang="en-US" spc="-150">
+                <a:latin typeface="한컴 소망 B"/>
+                <a:ea typeface="한컴 소망 B"/>
               </a:rPr>
               <a:t>기술적요소 및 중점연구분야</a:t>
             </a:r>
+            <a:endParaRPr lang="ko-KR" altLang="en-US" spc="-150">
+              <a:latin typeface="한컴 소망 B"/>
+              <a:ea typeface="한컴 소망 B"/>
+            </a:endParaRPr>
           </a:p>
         </p:txBody>
       </p:sp>
@@ -7876,9 +8139,10 @@
               <a:defRPr/>
             </a:pPr>
             <a:r>
-              <a:rPr lang="en-US" altLang="ko-KR" sz="2300" b="1" spc="300" dirty="0"/>
+              <a:rPr lang="en-US" altLang="ko-KR" sz="2300" b="1" spc="300"/>
               <a:t>05</a:t>
             </a:r>
+            <a:endParaRPr lang="en-US" altLang="ko-KR" sz="2300" b="1" spc="300"/>
           </a:p>
           <a:p>
             <a:pPr algn="r">
@@ -7888,9 +8152,10 @@
               <a:defRPr/>
             </a:pPr>
             <a:r>
-              <a:rPr lang="en-US" altLang="ko-KR" sz="2300" b="1" dirty="0"/>
+              <a:rPr lang="en-US" altLang="ko-KR" sz="2300" b="1"/>
               <a:t>06</a:t>
             </a:r>
+            <a:endParaRPr lang="en-US" altLang="ko-KR" sz="2300" b="1"/>
           </a:p>
           <a:p>
             <a:pPr algn="r">
@@ -7900,9 +8165,10 @@
               <a:defRPr/>
             </a:pPr>
             <a:r>
-              <a:rPr lang="en-US" altLang="ko-KR" sz="2300" b="1" dirty="0"/>
+              <a:rPr lang="en-US" altLang="ko-KR" sz="2300" b="1"/>
               <a:t>07</a:t>
             </a:r>
+            <a:endParaRPr lang="en-US" altLang="ko-KR" sz="2300" b="1"/>
           </a:p>
           <a:p>
             <a:pPr algn="r">
@@ -7912,10 +8178,10 @@
               <a:defRPr/>
             </a:pPr>
             <a:r>
-              <a:rPr lang="en-US" altLang="ko-KR" sz="2300" b="1" dirty="0"/>
+              <a:rPr lang="en-US" altLang="ko-KR" sz="2300" b="1"/>
               <a:t>08</a:t>
             </a:r>
-            <a:endParaRPr lang="ko-KR" altLang="en-US" sz="2300" b="1" dirty="0"/>
+            <a:endParaRPr lang="ko-KR" altLang="en-US" sz="2300" b="1"/>
           </a:p>
         </p:txBody>
       </p:sp>
@@ -7927,8 +8193,8 @@
         </p:nvSpPr>
         <p:spPr>
           <a:xfrm>
-            <a:off x="8239083" y="3077630"/>
-            <a:ext cx="2002471" cy="369332"/>
+            <a:off x="8239082" y="3077630"/>
+            <a:ext cx="2063158" cy="358990"/>
           </a:xfrm>
           <a:prstGeom prst="rect">
             <a:avLst/>
@@ -7945,12 +8211,16 @@
               <a:defRPr/>
             </a:pPr>
             <a:r>
-              <a:rPr lang="ko-KR" altLang="en-US" spc="-150" dirty="0">
-                <a:latin typeface="+mj-ea"/>
-                <a:ea typeface="+mj-ea"/>
+              <a:rPr lang="ko-KR" altLang="en-US" spc="-150">
+                <a:latin typeface="한컴 소망 B"/>
+                <a:ea typeface="한컴 소망 B"/>
               </a:rPr>
               <a:t>타 게임과의 차별성</a:t>
             </a:r>
+            <a:endParaRPr lang="ko-KR" altLang="en-US" spc="-150">
+              <a:latin typeface="한컴 소망 B"/>
+              <a:ea typeface="한컴 소망 B"/>
+            </a:endParaRPr>
           </a:p>
         </p:txBody>
       </p:sp>
@@ -7962,8 +8232,8 @@
         </p:nvSpPr>
         <p:spPr>
           <a:xfrm>
-            <a:off x="8239083" y="4346449"/>
-            <a:ext cx="1790875" cy="369332"/>
+            <a:off x="8239082" y="4346449"/>
+            <a:ext cx="1853608" cy="369332"/>
           </a:xfrm>
           <a:prstGeom prst="rect">
             <a:avLst/>
@@ -7980,11 +8250,16 @@
               <a:defRPr/>
             </a:pPr>
             <a:r>
-              <a:rPr lang="ko-KR" altLang="en-US" spc="-150" dirty="0">
-                <a:latin typeface="+mj-ea"/>
+              <a:rPr lang="ko-KR" altLang="en-US" spc="-150">
+                <a:latin typeface="한컴 소망 B"/>
+                <a:ea typeface="한컴 소망 B"/>
               </a:rPr>
               <a:t>역할분담 및 일정</a:t>
             </a:r>
+            <a:endParaRPr lang="ko-KR" altLang="en-US" spc="-150">
+              <a:latin typeface="한컴 소망 B"/>
+              <a:ea typeface="한컴 소망 B"/>
+            </a:endParaRPr>
           </a:p>
         </p:txBody>
       </p:sp>
@@ -7996,8 +8271,8 @@
         </p:nvSpPr>
         <p:spPr>
           <a:xfrm>
-            <a:off x="8239082" y="5615268"/>
-            <a:ext cx="1031051" cy="369332"/>
+            <a:off x="8239081" y="5615268"/>
+            <a:ext cx="1053508" cy="369332"/>
           </a:xfrm>
           <a:prstGeom prst="rect">
             <a:avLst/>
@@ -8014,11 +8289,16 @@
               <a:defRPr/>
             </a:pPr>
             <a:r>
-              <a:rPr lang="ko-KR" altLang="en-US" spc="-150" dirty="0">
-                <a:latin typeface="+mj-ea"/>
+              <a:rPr lang="ko-KR" altLang="en-US" spc="-150">
+                <a:latin typeface="한컴 소망 B"/>
+                <a:ea typeface="한컴 소망 B"/>
               </a:rPr>
               <a:t>참고문헌</a:t>
             </a:r>
+            <a:endParaRPr lang="ko-KR" altLang="en-US" spc="-150">
+              <a:latin typeface="한컴 소망 B"/>
+              <a:ea typeface="한컴 소망 B"/>
+            </a:endParaRPr>
           </a:p>
         </p:txBody>
       </p:sp>
@@ -8031,7 +8311,7 @@
         <p:spPr>
           <a:xfrm>
             <a:off x="8303265" y="1803916"/>
-            <a:ext cx="1781257" cy="369332"/>
+            <a:ext cx="1856099" cy="369332"/>
           </a:xfrm>
           <a:prstGeom prst="rect">
             <a:avLst/>
@@ -8048,12 +8328,16 @@
               <a:defRPr/>
             </a:pPr>
             <a:r>
-              <a:rPr lang="ko-KR" altLang="en-US" spc="-150" dirty="0">
-                <a:latin typeface="+mj-ea"/>
-                <a:ea typeface="+mj-ea"/>
+              <a:rPr lang="ko-KR" altLang="en-US" spc="-150">
+                <a:latin typeface="한컴 소망 B"/>
+                <a:ea typeface="한컴 소망 B"/>
               </a:rPr>
               <a:t>개인별 준비 현황</a:t>
             </a:r>
+            <a:endParaRPr lang="ko-KR" altLang="en-US" spc="-150">
+              <a:latin typeface="한컴 소망 B"/>
+              <a:ea typeface="한컴 소망 B"/>
+            </a:endParaRPr>
           </a:p>
         </p:txBody>
       </p:sp>
@@ -8062,11 +8346,11 @@
   <p:clrMapOvr>
     <a:masterClrMapping/>
   </p:clrMapOvr>
-  <mc:AlternateContent xmlns:mc="http://schemas.openxmlformats.org/markup-compatibility/2006" xmlns:p14="http://schemas.microsoft.com/office/powerpoint/2010/main">
-    <mc:Choice Requires="p14">
-      <p:transition/>
+  <mc:AlternateContent xmlns:mc="http://schemas.openxmlformats.org/markup-compatibility/2006">
+    <mc:Choice xmlns:p14="http://schemas.microsoft.com/office/powerpoint/2010/main" Requires="p14">
+      <p:transition xmlns:mc="http://schemas.openxmlformats.org/markup-compatibility/2006" xmlns:p14="http://schemas.microsoft.com/office/powerpoint/2010/main" mc:Ignorable="p14" p14:dur="500"/>
     </mc:Choice>
-    <mc:Fallback xmlns:dsp="http://schemas.microsoft.com/office/drawing/2008/diagram" xmlns:dgm="http://schemas.openxmlformats.org/drawingml/2006/diagram" xmlns:c="http://schemas.openxmlformats.org/drawingml/2006/chart" xmlns="">
+    <mc:Fallback>
       <p:transition/>
     </mc:Fallback>
   </mc:AlternateContent>
@@ -9258,7 +9542,7 @@
         <p:spPr>
           <a:xfrm>
             <a:off x="413719" y="1643706"/>
-            <a:ext cx="10252364" cy="1611939"/>
+            <a:ext cx="10252364" cy="1916739"/>
           </a:xfrm>
           <a:prstGeom prst="rect">
             <a:avLst/>
@@ -9277,18 +9561,30 @@
               <a:defRPr/>
             </a:pPr>
             <a:r>
-              <a:rPr lang="en-US" altLang="ko-KR" sz="2000"/>
+              <a:rPr lang="en-US" altLang="ko-KR" sz="2400">
+                <a:latin typeface="한컴 소망 B"/>
+                <a:ea typeface="한컴 소망 B"/>
+              </a:rPr>
               <a:t>Git</a:t>
             </a:r>
             <a:r>
-              <a:rPr lang="ko-KR" altLang="en-US" sz="2000"/>
+              <a:rPr lang="ko-KR" altLang="en-US" sz="2400">
+                <a:latin typeface="한컴 소망 B"/>
+                <a:ea typeface="한컴 소망 B"/>
+              </a:rPr>
               <a:t>을 활용하여 협업능력을 향상시킨다</a:t>
             </a:r>
             <a:r>
-              <a:rPr lang="en-US" altLang="ko-KR" sz="2000"/>
+              <a:rPr lang="en-US" altLang="ko-KR" sz="2400">
+                <a:latin typeface="한컴 소망 B"/>
+                <a:ea typeface="한컴 소망 B"/>
+              </a:rPr>
               <a:t>.</a:t>
             </a:r>
-            <a:endParaRPr lang="en-US" altLang="ko-KR" sz="2000"/>
+            <a:endParaRPr lang="en-US" altLang="ko-KR" sz="2400">
+              <a:latin typeface="한컴 소망 B"/>
+              <a:ea typeface="한컴 소망 B"/>
+            </a:endParaRPr>
           </a:p>
           <a:p>
             <a:pPr marL="285750" indent="-285750">
@@ -9296,7 +9592,10 @@
               <a:buChar char="-"/>
               <a:defRPr/>
             </a:pPr>
-            <a:endParaRPr lang="en-US" altLang="ko-KR" sz="2000"/>
+            <a:endParaRPr lang="en-US" altLang="ko-KR" sz="2400">
+              <a:latin typeface="한컴 소망 B"/>
+              <a:ea typeface="한컴 소망 B"/>
+            </a:endParaRPr>
           </a:p>
           <a:p>
             <a:pPr marL="285750" indent="-285750">
@@ -9305,14 +9604,23 @@
               <a:defRPr/>
             </a:pPr>
             <a:r>
-              <a:rPr lang="ko-KR" altLang="en-US" sz="2000"/>
+              <a:rPr lang="ko-KR" altLang="en-US" sz="2400">
+                <a:latin typeface="한컴 소망 B"/>
+                <a:ea typeface="한컴 소망 B"/>
+              </a:rPr>
               <a:t>인공지능을 개발할 수 있는 능력을 향상시킨다</a:t>
             </a:r>
             <a:r>
-              <a:rPr lang="en-US" altLang="ko-KR" sz="2000"/>
+              <a:rPr lang="en-US" altLang="ko-KR" sz="2400">
+                <a:latin typeface="한컴 소망 B"/>
+                <a:ea typeface="한컴 소망 B"/>
+              </a:rPr>
               <a:t>.</a:t>
             </a:r>
-            <a:endParaRPr lang="en-US" altLang="ko-KR" sz="2000"/>
+            <a:endParaRPr lang="en-US" altLang="ko-KR" sz="2400">
+              <a:latin typeface="한컴 소망 B"/>
+              <a:ea typeface="한컴 소망 B"/>
+            </a:endParaRPr>
           </a:p>
           <a:p>
             <a:pPr marL="285750" indent="-285750">
@@ -9320,7 +9628,10 @@
               <a:buChar char="-"/>
               <a:defRPr/>
             </a:pPr>
-            <a:endParaRPr lang="en-US" altLang="ko-KR" sz="2000"/>
+            <a:endParaRPr lang="en-US" altLang="ko-KR" sz="2400">
+              <a:latin typeface="한컴 소망 B"/>
+              <a:ea typeface="한컴 소망 B"/>
+            </a:endParaRPr>
           </a:p>
           <a:p>
             <a:pPr marL="285750" indent="-285750">
@@ -9329,10 +9640,16 @@
               <a:defRPr/>
             </a:pPr>
             <a:r>
-              <a:rPr lang="ko-KR" altLang="en-US" sz="2000"/>
+              <a:rPr lang="ko-KR" altLang="en-US" sz="2400">
+                <a:latin typeface="한컴 소망 B"/>
+                <a:ea typeface="한컴 소망 B"/>
+              </a:rPr>
               <a:t>모델링 및 애니메이션 제작 능력 향상</a:t>
             </a:r>
-            <a:endParaRPr lang="ko-KR" altLang="en-US" sz="2000"/>
+            <a:endParaRPr lang="ko-KR" altLang="en-US" sz="2400">
+              <a:latin typeface="한컴 소망 B"/>
+              <a:ea typeface="한컴 소망 B"/>
+            </a:endParaRPr>
           </a:p>
         </p:txBody>
       </p:sp>
@@ -9733,7 +10050,7 @@
 </file>
 
 <file path=ppt/slides/slide6.xml><?xml version="1.0" encoding="utf-8"?>
-<p:sld xmlns:a="http://schemas.openxmlformats.org/drawingml/2006/main" xmlns:r="http://schemas.openxmlformats.org/officeDocument/2006/relationships" xmlns:p="http://schemas.openxmlformats.org/presentationml/2006/main">
+<p:sld xmlns:r="http://schemas.openxmlformats.org/officeDocument/2006/relationships" xmlns:c="http://schemas.openxmlformats.org/drawingml/2006/chart" xmlns:a="http://schemas.openxmlformats.org/drawingml/2006/main" xmlns:dgm="http://schemas.openxmlformats.org/drawingml/2006/diagram" xmlns:dsp="http://schemas.microsoft.com/office/drawing/2008/diagram" xmlns:p="http://schemas.openxmlformats.org/presentationml/2006/main">
   <p:cSld>
     <p:spTree>
       <p:nvGrpSpPr>
@@ -9764,7 +10081,7 @@
             <a:avLst/>
           </a:prstGeom>
           <a:solidFill>
-            <a:srgbClr val="42C7F1">
+            <a:srgbClr val="42c7f1">
               <a:alpha val="50000"/>
             </a:srgbClr>
           </a:solidFill>
@@ -9844,6 +10161,13 @@
               </a:rPr>
               <a:t>게임소개 및 게임방법</a:t>
             </a:r>
+            <a:endParaRPr lang="ko-KR" altLang="en-US">
+              <a:solidFill>
+                <a:schemeClr val="bg2">
+                  <a:lumMod val="25000"/>
+                </a:schemeClr>
+              </a:solidFill>
+            </a:endParaRPr>
           </a:p>
         </p:txBody>
       </p:sp>
@@ -9901,14 +10225,14 @@
           <p:nvPr/>
         </p:nvGrpSpPr>
         <p:grpSpPr>
-          <a:xfrm flipH="1">
+          <a:xfrm rot="0" flipH="1">
             <a:off x="11374568" y="0"/>
             <a:ext cx="579033" cy="1227831"/>
             <a:chOff x="1066216" y="-1"/>
             <a:chExt cx="2336201" cy="4953878"/>
           </a:xfrm>
           <a:solidFill>
-            <a:srgbClr val="42C7F1">
+            <a:srgbClr val="42c7f1">
               <a:alpha val="50000"/>
             </a:srgbClr>
           </a:solidFill>
@@ -9928,7 +10252,7 @@
             <p:nvPr/>
           </p:nvGrpSpPr>
           <p:grpSpPr>
-            <a:xfrm>
+            <a:xfrm rot="0">
               <a:off x="1066216" y="-1"/>
               <a:ext cx="2336201" cy="4953878"/>
               <a:chOff x="662180" y="-1"/>
@@ -10154,7 +10478,7 @@
             </a:pPr>
             <a:endParaRPr lang="en-US" altLang="ko-KR" sz="2500">
               <a:solidFill>
-                <a:srgbClr val="F8B03A"/>
+                <a:srgbClr val="f8b03a"/>
               </a:solidFill>
             </a:endParaRPr>
           </a:p>
@@ -10229,50 +10553,61 @@
       </p:sp>
       <p:sp>
         <p:nvSpPr>
-          <p:cNvPr id="4" name="TextBox 3">
-            <a:extLst>
-              <a:ext uri="{FF2B5EF4-FFF2-40B4-BE49-F238E27FC236}">
-                <a16:creationId xmlns:a16="http://schemas.microsoft.com/office/drawing/2014/main" id="{934D789D-0F8A-4253-9B9D-10CE12AF1D2F}"/>
-              </a:ext>
-            </a:extLst>
-          </p:cNvPr>
+          <p:cNvPr id="4" name="TextBox 3"/>
           <p:cNvSpPr txBox="1"/>
           <p:nvPr/>
         </p:nvSpPr>
         <p:spPr>
           <a:xfrm>
             <a:off x="3456317" y="1618860"/>
-            <a:ext cx="5279366" cy="338554"/>
+            <a:ext cx="5279366" cy="693810"/>
           </a:xfrm>
           <a:prstGeom prst="rect">
             <a:avLst/>
           </a:prstGeom>
         </p:spPr>
         <p:txBody>
-          <a:bodyPr wrap="square" rtlCol="0">
+          <a:bodyPr wrap="square">
             <a:spAutoFit/>
           </a:bodyPr>
           <a:lstStyle/>
           <a:p>
-            <a:r>
-              <a:rPr lang="ko-KR" altLang="en-US" sz="1600" dirty="0">
-                <a:latin typeface="HY견고딕" panose="02030600000101010101" pitchFamily="18" charset="-127"/>
-                <a:ea typeface="HY견고딕" panose="02030600000101010101" pitchFamily="18" charset="-127"/>
+            <a:pPr lvl="0" algn="ctr">
+              <a:defRPr/>
+            </a:pPr>
+            <a:r>
+              <a:rPr lang="ko-KR" altLang="en-US" sz="2000">
+                <a:latin typeface="한컴 소망 B"/>
+                <a:ea typeface="한컴 소망 B"/>
               </a:rPr>
-              <a:t>여러 캐릭터들을 조합해 자신만의 조합을 만들어 플레이</a:t>
-            </a:r>
+              <a:t>여러 캐릭터들을 조합해 </a:t>
+            </a:r>
+            <a:endParaRPr lang="ko-KR" altLang="en-US" sz="2000">
+              <a:latin typeface="한컴 소망 B"/>
+              <a:ea typeface="한컴 소망 B"/>
+            </a:endParaRPr>
+          </a:p>
+          <a:p>
+            <a:pPr lvl="0" algn="ctr">
+              <a:defRPr/>
+            </a:pPr>
+            <a:r>
+              <a:rPr lang="ko-KR" altLang="en-US" sz="2000">
+                <a:latin typeface="한컴 소망 B"/>
+                <a:ea typeface="한컴 소망 B"/>
+              </a:rPr>
+              <a:t>자신만의 조합을 만들어 플레이</a:t>
+            </a:r>
+            <a:endParaRPr lang="ko-KR" altLang="en-US" sz="2000">
+              <a:latin typeface="한컴 소망 B"/>
+              <a:ea typeface="한컴 소망 B"/>
+            </a:endParaRPr>
           </a:p>
         </p:txBody>
       </p:sp>
       <p:sp>
         <p:nvSpPr>
-          <p:cNvPr id="5" name="TextBox 4">
-            <a:extLst>
-              <a:ext uri="{FF2B5EF4-FFF2-40B4-BE49-F238E27FC236}">
-                <a16:creationId xmlns:a16="http://schemas.microsoft.com/office/drawing/2014/main" id="{5EB5D4FC-1081-441F-98C5-573DA3E53D4B}"/>
-              </a:ext>
-            </a:extLst>
-          </p:cNvPr>
+          <p:cNvPr id="5" name="TextBox 4"/>
           <p:cNvSpPr txBox="1"/>
           <p:nvPr/>
         </p:nvSpPr>
@@ -10285,56 +10620,59 @@
             <a:avLst/>
           </a:prstGeom>
           <a:solidFill>
-            <a:srgbClr val="8BCBDE"/>
+            <a:srgbClr val="8bcbde"/>
           </a:solidFill>
         </p:spPr>
         <p:txBody>
-          <a:bodyPr wrap="square" rtlCol="0" anchor="ctr" anchorCtr="0">
+          <a:bodyPr wrap="square" anchor="ctr" anchorCtr="0">
             <a:noAutofit/>
           </a:bodyPr>
           <a:lstStyle/>
           <a:p>
-            <a:pPr algn="ctr"/>
-            <a:r>
-              <a:rPr lang="ko-KR" altLang="en-US" sz="1600" dirty="0"/>
+            <a:pPr algn="ctr">
+              <a:defRPr/>
+            </a:pPr>
+            <a:r>
+              <a:rPr lang="ko-KR" altLang="en-US" sz="1600"/>
               <a:t>현재 </a:t>
             </a:r>
-            <a:endParaRPr lang="en-US" altLang="ko-KR" sz="1600" dirty="0"/>
-          </a:p>
-          <a:p>
-            <a:pPr algn="ctr"/>
-            <a:r>
-              <a:rPr lang="ko-KR" altLang="en-US" sz="1600" dirty="0"/>
+            <a:endParaRPr lang="ko-KR" altLang="en-US" sz="1600"/>
+          </a:p>
+          <a:p>
+            <a:pPr algn="ctr">
+              <a:defRPr/>
+            </a:pPr>
+            <a:r>
+              <a:rPr lang="ko-KR" altLang="en-US" sz="1600"/>
               <a:t>소유한 </a:t>
             </a:r>
-            <a:endParaRPr lang="en-US" altLang="ko-KR" sz="1600" dirty="0"/>
-          </a:p>
-          <a:p>
-            <a:pPr algn="ctr"/>
-            <a:r>
-              <a:rPr lang="ko-KR" altLang="en-US" sz="1600" dirty="0"/>
+            <a:endParaRPr lang="ko-KR" altLang="en-US" sz="1600"/>
+          </a:p>
+          <a:p>
+            <a:pPr algn="ctr">
+              <a:defRPr/>
+            </a:pPr>
+            <a:r>
+              <a:rPr lang="ko-KR" altLang="en-US" sz="1600"/>
               <a:t>캐릭터들</a:t>
             </a:r>
-            <a:endParaRPr lang="en-US" altLang="ko-KR" sz="1600" dirty="0"/>
-          </a:p>
-          <a:p>
-            <a:pPr algn="ctr"/>
-            <a:r>
-              <a:rPr lang="ko-KR" altLang="en-US" sz="1600" dirty="0"/>
+            <a:endParaRPr lang="ko-KR" altLang="en-US" sz="1600"/>
+          </a:p>
+          <a:p>
+            <a:pPr algn="ctr">
+              <a:defRPr/>
+            </a:pPr>
+            <a:r>
+              <a:rPr lang="ko-KR" altLang="en-US" sz="1600"/>
               <a:t> 조합</a:t>
             </a:r>
+            <a:endParaRPr lang="ko-KR" altLang="en-US" sz="1600"/>
           </a:p>
         </p:txBody>
       </p:sp>
       <p:sp>
         <p:nvSpPr>
-          <p:cNvPr id="7" name="화살표: 갈매기형 수장 6">
-            <a:extLst>
-              <a:ext uri="{FF2B5EF4-FFF2-40B4-BE49-F238E27FC236}">
-                <a16:creationId xmlns:a16="http://schemas.microsoft.com/office/drawing/2014/main" id="{D9B9623E-9408-411D-B0AD-D8497094049B}"/>
-              </a:ext>
-            </a:extLst>
-          </p:cNvPr>
+          <p:cNvPr id="7" name="화살표: 갈매기형 수장 6"/>
           <p:cNvSpPr/>
           <p:nvPr/>
         </p:nvSpPr>
@@ -10344,7 +10682,9 @@
             <a:ext cx="545123" cy="755693"/>
           </a:xfrm>
           <a:prstGeom prst="chevron">
-            <a:avLst/>
+            <a:avLst>
+              <a:gd name="adj" fmla="val 50000"/>
+            </a:avLst>
           </a:prstGeom>
           <a:solidFill>
             <a:schemeClr val="tx2">
@@ -10370,10 +10710,12 @@
           </a:fontRef>
         </p:style>
         <p:txBody>
-          <a:bodyPr rtlCol="0" anchor="ctr"/>
+          <a:bodyPr anchor="ctr"/>
           <a:lstStyle/>
           <a:p>
-            <a:pPr algn="ctr"/>
+            <a:pPr algn="ctr">
+              <a:defRPr/>
+            </a:pPr>
             <a:endParaRPr lang="ko-KR" altLang="en-US">
               <a:solidFill>
                 <a:schemeClr val="tx1"/>
@@ -10384,13 +10726,7 @@
       </p:sp>
       <p:sp>
         <p:nvSpPr>
-          <p:cNvPr id="20" name="TextBox 19">
-            <a:extLst>
-              <a:ext uri="{FF2B5EF4-FFF2-40B4-BE49-F238E27FC236}">
-                <a16:creationId xmlns:a16="http://schemas.microsoft.com/office/drawing/2014/main" id="{9A3273FD-929F-49B8-8190-6D1535FAC213}"/>
-              </a:ext>
-            </a:extLst>
-          </p:cNvPr>
+          <p:cNvPr id="20" name="TextBox 19"/>
           <p:cNvSpPr txBox="1"/>
           <p:nvPr/>
         </p:nvSpPr>
@@ -10403,49 +10739,49 @@
             <a:avLst/>
           </a:prstGeom>
           <a:solidFill>
-            <a:srgbClr val="8BCBDE"/>
+            <a:srgbClr val="8bcbde"/>
           </a:solidFill>
         </p:spPr>
         <p:txBody>
-          <a:bodyPr wrap="square" rtlCol="0" anchor="ctr" anchorCtr="0">
+          <a:bodyPr wrap="square" anchor="ctr" anchorCtr="0">
             <a:noAutofit/>
           </a:bodyPr>
           <a:lstStyle/>
           <a:p>
-            <a:pPr algn="ctr"/>
-            <a:r>
-              <a:rPr lang="ko-KR" altLang="en-US" sz="1600" dirty="0"/>
+            <a:pPr algn="ctr">
+              <a:defRPr/>
+            </a:pPr>
+            <a:r>
+              <a:rPr lang="ko-KR" altLang="en-US" sz="1600"/>
               <a:t>조합한</a:t>
             </a:r>
-            <a:endParaRPr lang="en-US" altLang="ko-KR" sz="1600" dirty="0"/>
-          </a:p>
-          <a:p>
-            <a:pPr algn="ctr"/>
-            <a:r>
-              <a:rPr lang="ko-KR" altLang="en-US" sz="1600" dirty="0"/>
+            <a:endParaRPr lang="ko-KR" altLang="en-US" sz="1600"/>
+          </a:p>
+          <a:p>
+            <a:pPr algn="ctr">
+              <a:defRPr/>
+            </a:pPr>
+            <a:r>
+              <a:rPr lang="ko-KR" altLang="en-US" sz="1600"/>
               <a:t>캐릭터들로</a:t>
             </a:r>
-            <a:endParaRPr lang="en-US" altLang="ko-KR" sz="1600" dirty="0"/>
-          </a:p>
-          <a:p>
-            <a:pPr algn="ctr"/>
-            <a:r>
-              <a:rPr lang="ko-KR" altLang="en-US" sz="1600" dirty="0"/>
+            <a:endParaRPr lang="ko-KR" altLang="en-US" sz="1600"/>
+          </a:p>
+          <a:p>
+            <a:pPr algn="ctr">
+              <a:defRPr/>
+            </a:pPr>
+            <a:r>
+              <a:rPr lang="ko-KR" altLang="en-US" sz="1600"/>
               <a:t>플레이</a:t>
             </a:r>
-            <a:endParaRPr lang="en-US" altLang="ko-KR" sz="1600" dirty="0"/>
+            <a:endParaRPr lang="en-US" altLang="ko-KR" sz="1600"/>
           </a:p>
         </p:txBody>
       </p:sp>
       <p:sp>
         <p:nvSpPr>
-          <p:cNvPr id="22" name="화살표: 갈매기형 수장 21">
-            <a:extLst>
-              <a:ext uri="{FF2B5EF4-FFF2-40B4-BE49-F238E27FC236}">
-                <a16:creationId xmlns:a16="http://schemas.microsoft.com/office/drawing/2014/main" id="{A4FF51A1-1B99-4E14-86F8-8A5507FE3977}"/>
-              </a:ext>
-            </a:extLst>
-          </p:cNvPr>
+          <p:cNvPr id="22" name="화살표: 갈매기형 수장 21"/>
           <p:cNvSpPr/>
           <p:nvPr/>
         </p:nvSpPr>
@@ -10455,7 +10791,9 @@
             <a:ext cx="545123" cy="755693"/>
           </a:xfrm>
           <a:prstGeom prst="chevron">
-            <a:avLst/>
+            <a:avLst>
+              <a:gd name="adj" fmla="val 50000"/>
+            </a:avLst>
           </a:prstGeom>
           <a:solidFill>
             <a:schemeClr val="tx2">
@@ -10481,10 +10819,12 @@
           </a:fontRef>
         </p:style>
         <p:txBody>
-          <a:bodyPr rtlCol="0" anchor="ctr"/>
+          <a:bodyPr anchor="ctr"/>
           <a:lstStyle/>
           <a:p>
-            <a:pPr algn="ctr"/>
+            <a:pPr algn="ctr">
+              <a:defRPr/>
+            </a:pPr>
             <a:endParaRPr lang="ko-KR" altLang="en-US">
               <a:solidFill>
                 <a:schemeClr val="tx1"/>
@@ -10495,13 +10835,7 @@
       </p:sp>
       <p:sp>
         <p:nvSpPr>
-          <p:cNvPr id="25" name="TextBox 24">
-            <a:extLst>
-              <a:ext uri="{FF2B5EF4-FFF2-40B4-BE49-F238E27FC236}">
-                <a16:creationId xmlns:a16="http://schemas.microsoft.com/office/drawing/2014/main" id="{343F157E-8485-4CEF-8897-6A9933547169}"/>
-              </a:ext>
-            </a:extLst>
-          </p:cNvPr>
+          <p:cNvPr id="25" name="TextBox 24"/>
           <p:cNvSpPr txBox="1"/>
           <p:nvPr/>
         </p:nvSpPr>
@@ -10514,49 +10848,49 @@
             <a:avLst/>
           </a:prstGeom>
           <a:solidFill>
-            <a:srgbClr val="8BCBDE"/>
+            <a:srgbClr val="8bcbde"/>
           </a:solidFill>
         </p:spPr>
         <p:txBody>
-          <a:bodyPr wrap="square" rtlCol="0" anchor="ctr" anchorCtr="0">
+          <a:bodyPr wrap="square" anchor="ctr" anchorCtr="0">
             <a:noAutofit/>
           </a:bodyPr>
           <a:lstStyle/>
           <a:p>
-            <a:pPr algn="ctr"/>
-            <a:r>
-              <a:rPr lang="ko-KR" altLang="en-US" sz="1600" dirty="0"/>
+            <a:pPr algn="ctr">
+              <a:defRPr/>
+            </a:pPr>
+            <a:r>
+              <a:rPr lang="ko-KR" altLang="en-US" sz="1600"/>
               <a:t>보상을 얻어</a:t>
             </a:r>
-            <a:endParaRPr lang="en-US" altLang="ko-KR" sz="1600" dirty="0"/>
-          </a:p>
-          <a:p>
-            <a:pPr algn="ctr"/>
-            <a:r>
-              <a:rPr lang="ko-KR" altLang="en-US" sz="1600" dirty="0"/>
+            <a:endParaRPr lang="ko-KR" altLang="en-US" sz="1600"/>
+          </a:p>
+          <a:p>
+            <a:pPr algn="ctr">
+              <a:defRPr/>
+            </a:pPr>
+            <a:r>
+              <a:rPr lang="ko-KR" altLang="en-US" sz="1600"/>
               <a:t> 새 캐릭터</a:t>
             </a:r>
-            <a:endParaRPr lang="en-US" altLang="ko-KR" sz="1600" dirty="0"/>
-          </a:p>
-          <a:p>
-            <a:pPr algn="ctr"/>
-            <a:r>
-              <a:rPr lang="ko-KR" altLang="en-US" sz="1600" dirty="0"/>
+            <a:endParaRPr lang="ko-KR" altLang="en-US" sz="1600"/>
+          </a:p>
+          <a:p>
+            <a:pPr algn="ctr">
+              <a:defRPr/>
+            </a:pPr>
+            <a:r>
+              <a:rPr lang="ko-KR" altLang="en-US" sz="1600"/>
               <a:t>획득</a:t>
             </a:r>
-            <a:endParaRPr lang="en-US" altLang="ko-KR" sz="1600" dirty="0"/>
+            <a:endParaRPr lang="en-US" altLang="ko-KR" sz="1600"/>
           </a:p>
         </p:txBody>
       </p:sp>
       <p:sp>
         <p:nvSpPr>
-          <p:cNvPr id="8" name="화살표: U자형 7">
-            <a:extLst>
-              <a:ext uri="{FF2B5EF4-FFF2-40B4-BE49-F238E27FC236}">
-                <a16:creationId xmlns:a16="http://schemas.microsoft.com/office/drawing/2014/main" id="{982678EC-CE49-46F4-89BA-79262ACE223C}"/>
-              </a:ext>
-            </a:extLst>
-          </p:cNvPr>
+          <p:cNvPr id="8" name="화살표: U자형 7"/>
           <p:cNvSpPr/>
           <p:nvPr/>
         </p:nvSpPr>
@@ -10600,10 +10934,12 @@
           </a:fontRef>
         </p:style>
         <p:txBody>
-          <a:bodyPr rtlCol="0" anchor="ctr"/>
+          <a:bodyPr anchor="ctr"/>
           <a:lstStyle/>
           <a:p>
-            <a:pPr algn="ctr"/>
+            <a:pPr algn="ctr">
+              <a:defRPr/>
+            </a:pPr>
             <a:endParaRPr lang="ko-KR" altLang="en-US">
               <a:solidFill>
                 <a:schemeClr val="tx1"/>
@@ -10617,11 +10953,11 @@
   <p:clrMapOvr>
     <a:masterClrMapping/>
   </p:clrMapOvr>
-  <mc:AlternateContent xmlns:mc="http://schemas.openxmlformats.org/markup-compatibility/2006" xmlns:p14="http://schemas.microsoft.com/office/powerpoint/2010/main">
-    <mc:Choice Requires="p14">
-      <p:transition/>
+  <mc:AlternateContent xmlns:mc="http://schemas.openxmlformats.org/markup-compatibility/2006">
+    <mc:Choice xmlns:p14="http://schemas.microsoft.com/office/powerpoint/2010/main" Requires="p14">
+      <p:transition xmlns:mc="http://schemas.openxmlformats.org/markup-compatibility/2006" xmlns:p14="http://schemas.microsoft.com/office/powerpoint/2010/main" mc:Ignorable="p14" p14:dur="500"/>
     </mc:Choice>
-    <mc:Fallback xmlns:dsp="http://schemas.microsoft.com/office/drawing/2008/diagram" xmlns:dgm="http://schemas.openxmlformats.org/drawingml/2006/diagram" xmlns:c="http://schemas.openxmlformats.org/drawingml/2006/chart" xmlns="">
+    <mc:Fallback>
       <p:transition/>
     </mc:Fallback>
   </mc:AlternateContent>
